--- a/PPT eXiaSaver.pptx
+++ b/PPT eXiaSaver.pptx
@@ -5028,8 +5028,13 @@
             <a:pPr algn="ctr"/>
             <a:r>
               <a:rPr lang="fr-FR" dirty="0"/>
-              <a:t>4.	Présentation du circuit du capteur</a:t>
-            </a:r>
+              <a:t>4.	Présentation d’</a:t>
+            </a:r>
+            <a:r>
+              <a:rPr lang="fr-FR"/>
+              <a:t>eXiaSaver</a:t>
+            </a:r>
+            <a:endParaRPr lang="fr-FR" dirty="0"/>
           </a:p>
         </p:txBody>
       </p:sp>

--- a/PPT eXiaSaver.pptx
+++ b/PPT eXiaSaver.pptx
@@ -4839,42 +4839,35 @@
           <a:chExt cx="0" cy="0"/>
         </a:xfrm>
       </p:grpSpPr>
-      <p:sp>
-        <p:nvSpPr>
-          <p:cNvPr id="3" name="Espace réservé du contenu 2"/>
-          <p:cNvSpPr>
-            <a:spLocks noGrp="1"/>
-          </p:cNvSpPr>
+      <p:pic>
+        <p:nvPicPr>
+          <p:cNvPr id="4" name="Espace réservé du contenu 3"/>
+          <p:cNvPicPr>
+            <a:picLocks noGrp="1" noChangeAspect="1"/>
+          </p:cNvPicPr>
           <p:nvPr>
             <p:ph idx="1"/>
           </p:nvPr>
-        </p:nvSpPr>
-        <p:spPr>
-          <a:xfrm>
-            <a:off x="1178154" y="1837764"/>
-            <a:ext cx="9951528" cy="4083423"/>
-          </a:xfrm>
-        </p:spPr>
-        <p:txBody>
-          <a:bodyPr>
-            <a:normAutofit/>
-          </a:bodyPr>
-          <a:lstStyle/>
-          <a:p>
-            <a:pPr marL="0" indent="0">
-              <a:buNone/>
-            </a:pPr>
-            <a:endParaRPr lang="fr-FR" dirty="0">
-              <a:solidFill>
-                <a:schemeClr val="tx1">
-                  <a:lumMod val="65000"/>
-                  <a:lumOff val="35000"/>
-                </a:schemeClr>
-              </a:solidFill>
-            </a:endParaRPr>
-          </a:p>
-        </p:txBody>
-      </p:sp>
+        </p:nvPicPr>
+        <p:blipFill>
+          <a:blip r:embed="rId2">
+            <a:extLst>
+              <a:ext uri="{28A0092B-C50C-407E-A947-70E740481C1C}">
+                <a14:useLocalDpi xmlns:a14="http://schemas.microsoft.com/office/drawing/2010/main" val="0"/>
+              </a:ext>
+            </a:extLst>
+          </a:blip>
+          <a:stretch>
+            <a:fillRect/>
+          </a:stretch>
+        </p:blipFill>
+        <p:spPr>
+          <a:xfrm>
+            <a:off x="279259" y="1118521"/>
+            <a:ext cx="5363323" cy="2848373"/>
+          </a:xfrm>
+        </p:spPr>
+      </p:pic>
       <p:pic>
         <p:nvPicPr>
           <p:cNvPr id="5" name="Image 4"/>
@@ -4884,7 +4877,7 @@
           <p:nvPr/>
         </p:nvPicPr>
         <p:blipFill>
-          <a:blip r:embed="rId2">
+          <a:blip r:embed="rId3">
             <a:extLst>
               <a:ext uri="{28A0092B-C50C-407E-A947-70E740481C1C}">
                 <a14:useLocalDpi xmlns:a14="http://schemas.microsoft.com/office/drawing/2010/main" val="0"/>
@@ -5031,7 +5024,7 @@
               <a:t>4.	Présentation d’</a:t>
             </a:r>
             <a:r>
-              <a:rPr lang="fr-FR"/>
+              <a:rPr lang="fr-FR" dirty="0" err="1"/>
               <a:t>eXiaSaver</a:t>
             </a:r>
             <a:endParaRPr lang="fr-FR" dirty="0"/>
@@ -5104,13 +5097,13 @@
         </p:nvSpPr>
         <p:spPr>
           <a:xfrm>
-            <a:off x="2473076" y="2671604"/>
-            <a:ext cx="8296712" cy="2076565"/>
+            <a:off x="1075763" y="2120153"/>
+            <a:ext cx="10192871" cy="3653117"/>
           </a:xfrm>
         </p:spPr>
         <p:txBody>
           <a:bodyPr>
-            <a:normAutofit/>
+            <a:normAutofit lnSpcReduction="10000"/>
           </a:bodyPr>
           <a:lstStyle/>
           <a:p>
@@ -5123,7 +5116,7 @@
             </a:pPr>
             <a:r>
               <a:rPr lang="fr-FR" sz="2800" dirty="0"/>
-              <a:t> Difficultés à rendre le capteur fiable</a:t>
+              <a:t> Difficultés à afficher horizontalement l’heure</a:t>
             </a:r>
           </a:p>
           <a:p>
@@ -5145,7 +5138,19 @@
             </a:pPr>
             <a:r>
               <a:rPr lang="fr-FR" sz="2800" dirty="0"/>
-              <a:t> Travail de groupe/méthodes de travail enrichissantes</a:t>
+              <a:t> Améliore beaucoup les connaissance en C (tableau à deux </a:t>
+            </a:r>
+          </a:p>
+          <a:p>
+            <a:pPr marL="0" indent="0">
+              <a:lnSpc>
+                <a:spcPct val="50000"/>
+              </a:lnSpc>
+              <a:buNone/>
+            </a:pPr>
+            <a:r>
+              <a:rPr lang="fr-FR" sz="2800" dirty="0"/>
+              <a:t>dimensions)</a:t>
             </a:r>
           </a:p>
           <a:p>
@@ -5167,14 +5172,54 @@
             </a:pPr>
             <a:r>
               <a:rPr lang="fr-FR" sz="2800" dirty="0"/>
-              <a:t> Répartition des tâches cohérente</a:t>
-            </a:r>
-          </a:p>
-          <a:p>
-            <a:pPr marL="0" indent="0">
-              <a:buNone/>
+              <a:t> Bon esprit d’équipe</a:t>
+            </a:r>
+          </a:p>
+          <a:p>
+            <a:pPr>
+              <a:lnSpc>
+                <a:spcPct val="50000"/>
+              </a:lnSpc>
+              <a:buFont typeface="Wingdings" panose="05000000000000000000" pitchFamily="2" charset="2"/>
+              <a:buChar char="Ø"/>
             </a:pPr>
             <a:endParaRPr lang="fr-FR" sz="2800" dirty="0"/>
+          </a:p>
+          <a:p>
+            <a:pPr>
+              <a:lnSpc>
+                <a:spcPct val="50000"/>
+              </a:lnSpc>
+              <a:buFont typeface="Wingdings" panose="05000000000000000000" pitchFamily="2" charset="2"/>
+              <a:buChar char="Ø"/>
+            </a:pPr>
+            <a:r>
+              <a:rPr lang="fr-FR" sz="2800" dirty="0"/>
+              <a:t>Difficulté à centrer l’image PBM</a:t>
+            </a:r>
+          </a:p>
+          <a:p>
+            <a:pPr>
+              <a:lnSpc>
+                <a:spcPct val="50000"/>
+              </a:lnSpc>
+              <a:buFont typeface="Wingdings" panose="05000000000000000000" pitchFamily="2" charset="2"/>
+              <a:buChar char="Ø"/>
+            </a:pPr>
+            <a:endParaRPr lang="fr-FR" sz="2800" dirty="0"/>
+          </a:p>
+          <a:p>
+            <a:pPr>
+              <a:lnSpc>
+                <a:spcPct val="50000"/>
+              </a:lnSpc>
+              <a:buFont typeface="Wingdings" panose="05000000000000000000" pitchFamily="2" charset="2"/>
+              <a:buChar char="Ø"/>
+            </a:pPr>
+            <a:r>
+              <a:rPr lang="fr-FR" sz="2800" dirty="0"/>
+              <a:t>Améliore l’utilisation de Linux</a:t>
+            </a:r>
           </a:p>
         </p:txBody>
       </p:sp>

--- a/PPT eXiaSaver.pptx
+++ b/PPT eXiaSaver.pptx
@@ -203,7 +203,7 @@
           <a:p>
             <a:fld id="{4DEC341D-D0B0-430D-AE82-50C1F50B5407}" type="datetimeFigureOut">
               <a:rPr lang="fr-FR" smtClean="0"/>
-              <a:t>14/12/2016</a:t>
+              <a:t>15/12/2016</a:t>
             </a:fld>
             <a:endParaRPr lang="fr-FR"/>
           </a:p>
@@ -298,7 +298,6 @@
               <a:rPr lang="fr-FR"/>
               <a:t>Cinquième niveau</a:t>
             </a:r>
-            <a:endParaRPr lang="fr-FR"/>
           </a:p>
         </p:txBody>
       </p:sp>
@@ -697,7 +696,7 @@
           <a:p>
             <a:fld id="{29D8AC71-CB11-4745-AAD5-F4F4AB5C6044}" type="datetimeFigureOut">
               <a:rPr lang="fr-FR" smtClean="0"/>
-              <a:t>14/12/2016</a:t>
+              <a:t>15/12/2016</a:t>
             </a:fld>
             <a:endParaRPr lang="fr-FR"/>
           </a:p>
@@ -905,7 +904,7 @@
           <a:p>
             <a:fld id="{29D8AC71-CB11-4745-AAD5-F4F4AB5C6044}" type="datetimeFigureOut">
               <a:rPr lang="fr-FR" smtClean="0"/>
-              <a:t>14/12/2016</a:t>
+              <a:t>15/12/2016</a:t>
             </a:fld>
             <a:endParaRPr lang="fr-FR"/>
           </a:p>
@@ -1161,7 +1160,7 @@
           <a:p>
             <a:fld id="{29D8AC71-CB11-4745-AAD5-F4F4AB5C6044}" type="datetimeFigureOut">
               <a:rPr lang="fr-FR" smtClean="0"/>
-              <a:t>14/12/2016</a:t>
+              <a:t>15/12/2016</a:t>
             </a:fld>
             <a:endParaRPr lang="fr-FR"/>
           </a:p>
@@ -1335,7 +1334,7 @@
           <a:p>
             <a:fld id="{29D8AC71-CB11-4745-AAD5-F4F4AB5C6044}" type="datetimeFigureOut">
               <a:rPr lang="fr-FR" smtClean="0"/>
-              <a:t>14/12/2016</a:t>
+              <a:t>15/12/2016</a:t>
             </a:fld>
             <a:endParaRPr lang="fr-FR"/>
           </a:p>
@@ -1678,7 +1677,7 @@
           <a:p>
             <a:fld id="{29D8AC71-CB11-4745-AAD5-F4F4AB5C6044}" type="datetimeFigureOut">
               <a:rPr lang="fr-FR" smtClean="0"/>
-              <a:t>14/12/2016</a:t>
+              <a:t>15/12/2016</a:t>
             </a:fld>
             <a:endParaRPr lang="fr-FR"/>
           </a:p>
@@ -1953,7 +1952,7 @@
           <a:p>
             <a:fld id="{29D8AC71-CB11-4745-AAD5-F4F4AB5C6044}" type="datetimeFigureOut">
               <a:rPr lang="fr-FR" smtClean="0"/>
-              <a:t>14/12/2016</a:t>
+              <a:t>15/12/2016</a:t>
             </a:fld>
             <a:endParaRPr lang="fr-FR"/>
           </a:p>
@@ -2332,7 +2331,7 @@
           <a:p>
             <a:fld id="{29D8AC71-CB11-4745-AAD5-F4F4AB5C6044}" type="datetimeFigureOut">
               <a:rPr lang="fr-FR" smtClean="0"/>
-              <a:t>14/12/2016</a:t>
+              <a:t>15/12/2016</a:t>
             </a:fld>
             <a:endParaRPr lang="fr-FR"/>
           </a:p>
@@ -2450,7 +2449,7 @@
           <a:p>
             <a:fld id="{29D8AC71-CB11-4745-AAD5-F4F4AB5C6044}" type="datetimeFigureOut">
               <a:rPr lang="fr-FR" smtClean="0"/>
-              <a:t>14/12/2016</a:t>
+              <a:t>15/12/2016</a:t>
             </a:fld>
             <a:endParaRPr lang="fr-FR"/>
           </a:p>
@@ -2621,7 +2620,7 @@
           <a:p>
             <a:fld id="{29D8AC71-CB11-4745-AAD5-F4F4AB5C6044}" type="datetimeFigureOut">
               <a:rPr lang="fr-FR" smtClean="0"/>
-              <a:t>14/12/2016</a:t>
+              <a:t>15/12/2016</a:t>
             </a:fld>
             <a:endParaRPr lang="fr-FR"/>
           </a:p>
@@ -2975,7 +2974,7 @@
           <a:p>
             <a:fld id="{29D8AC71-CB11-4745-AAD5-F4F4AB5C6044}" type="datetimeFigureOut">
               <a:rPr lang="fr-FR" smtClean="0"/>
-              <a:t>14/12/2016</a:t>
+              <a:t>15/12/2016</a:t>
             </a:fld>
             <a:endParaRPr lang="fr-FR"/>
           </a:p>
@@ -3357,7 +3356,7 @@
           <a:p>
             <a:fld id="{29D8AC71-CB11-4745-AAD5-F4F4AB5C6044}" type="datetimeFigureOut">
               <a:rPr lang="fr-FR" smtClean="0"/>
-              <a:t>14/12/2016</a:t>
+              <a:t>15/12/2016</a:t>
             </a:fld>
             <a:endParaRPr lang="fr-FR"/>
           </a:p>
@@ -3644,7 +3643,7 @@
           <a:p>
             <a:fld id="{29D8AC71-CB11-4745-AAD5-F4F4AB5C6044}" type="datetimeFigureOut">
               <a:rPr lang="fr-FR" smtClean="0"/>
-              <a:t>14/12/2016</a:t>
+              <a:t>15/12/2016</a:t>
             </a:fld>
             <a:endParaRPr lang="fr-FR"/>
           </a:p>
@@ -4225,8 +4224,13 @@
           <a:p>
             <a:r>
               <a:rPr lang="fr-FR" dirty="0"/>
-              <a:t>Contexte: reconnaitre différents types de toucher à l’aide d’un capteur capacitif.</a:t>
-            </a:r>
+              <a:t>Contexte: créer un générateur d’écran de veille qui choisit entre trois </a:t>
+            </a:r>
+            <a:r>
+              <a:rPr lang="fr-FR"/>
+              <a:t>types d’écrans de veille.</a:t>
+            </a:r>
+            <a:endParaRPr lang="fr-FR" dirty="0"/>
           </a:p>
         </p:txBody>
       </p:sp>

--- a/PPT eXiaSaver.pptx
+++ b/PPT eXiaSaver.pptx
@@ -5,7 +5,7 @@
     <p:sldMasterId id="2147483723" r:id="rId1"/>
   </p:sldMasterIdLst>
   <p:notesMasterIdLst>
-    <p:notesMasterId r:id="rId9"/>
+    <p:notesMasterId r:id="rId10"/>
   </p:notesMasterIdLst>
   <p:sldIdLst>
     <p:sldId id="256" r:id="rId2"/>
@@ -13,8 +13,9 @@
     <p:sldId id="257" r:id="rId4"/>
     <p:sldId id="263" r:id="rId5"/>
     <p:sldId id="259" r:id="rId6"/>
-    <p:sldId id="258" r:id="rId7"/>
-    <p:sldId id="260" r:id="rId8"/>
+    <p:sldId id="264" r:id="rId7"/>
+    <p:sldId id="258" r:id="rId8"/>
+    <p:sldId id="260" r:id="rId9"/>
   </p:sldIdLst>
   <p:sldSz cx="12192000" cy="6858000"/>
   <p:notesSz cx="7105650" cy="10236200"/>
@@ -4845,13 +4846,11 @@
       </p:grpSpPr>
       <p:pic>
         <p:nvPicPr>
-          <p:cNvPr id="4" name="Espace réservé du contenu 3"/>
+          <p:cNvPr id="5" name="Image 4"/>
           <p:cNvPicPr>
-            <a:picLocks noGrp="1" noChangeAspect="1"/>
+            <a:picLocks noChangeAspect="1"/>
           </p:cNvPicPr>
-          <p:nvPr>
-            <p:ph idx="1"/>
-          </p:nvPr>
+          <p:nvPr/>
         </p:nvPicPr>
         <p:blipFill>
           <a:blip r:embed="rId2">
@@ -4867,18 +4866,61 @@
         </p:blipFill>
         <p:spPr>
           <a:xfrm>
-            <a:off x="279259" y="1118521"/>
-            <a:ext cx="5363323" cy="2848373"/>
-          </a:xfrm>
+            <a:off x="11048300" y="6074882"/>
+            <a:ext cx="1003225" cy="650366"/>
+          </a:xfrm>
+          <a:prstGeom prst="rect">
+            <a:avLst/>
+          </a:prstGeom>
         </p:spPr>
       </p:pic>
+      <p:sp>
+        <p:nvSpPr>
+          <p:cNvPr id="7" name="Titre 1"/>
+          <p:cNvSpPr>
+            <a:spLocks noGrp="1"/>
+          </p:cNvSpPr>
+          <p:nvPr>
+            <p:ph type="title"/>
+          </p:nvPr>
+        </p:nvSpPr>
+        <p:spPr>
+          <a:xfrm>
+            <a:off x="989900" y="167780"/>
+            <a:ext cx="10058400" cy="705514"/>
+          </a:xfrm>
+        </p:spPr>
+        <p:txBody>
+          <a:bodyPr>
+            <a:normAutofit fontScale="90000"/>
+          </a:bodyPr>
+          <a:lstStyle/>
+          <a:p>
+            <a:pPr algn="ctr"/>
+            <a:r>
+              <a:rPr lang="fr-FR" dirty="0"/>
+              <a:t>3.	</a:t>
+            </a:r>
+            <a:r>
+              <a:rPr lang="fr-FR" dirty="0" err="1"/>
+              <a:t>TermSaver</a:t>
+            </a:r>
+            <a:r>
+              <a:rPr lang="fr-FR" dirty="0"/>
+              <a:t> dynamique</a:t>
+            </a:r>
+          </a:p>
+        </p:txBody>
+      </p:sp>
       <p:pic>
         <p:nvPicPr>
-          <p:cNvPr id="5" name="Image 4"/>
+          <p:cNvPr id="3" name="Espace réservé du contenu 2"/>
           <p:cNvPicPr>
-            <a:picLocks noChangeAspect="1"/>
+            <a:picLocks noGrp="1" noChangeAspect="1"/>
           </p:cNvPicPr>
-          <p:nvPr/>
+          <p:nvPr>
+            <p:ph idx="1"/>
+          </p:nvPr>
         </p:nvPicPr>
         <p:blipFill>
           <a:blip r:embed="rId3">
@@ -4894,52 +4936,11 @@
         </p:blipFill>
         <p:spPr>
           <a:xfrm>
-            <a:off x="11048300" y="6074882"/>
-            <a:ext cx="1003225" cy="650366"/>
-          </a:xfrm>
-          <a:prstGeom prst="rect">
-            <a:avLst/>
-          </a:prstGeom>
+            <a:off x="2604096" y="1938356"/>
+            <a:ext cx="6120224" cy="3138576"/>
+          </a:xfrm>
         </p:spPr>
       </p:pic>
-      <p:sp>
-        <p:nvSpPr>
-          <p:cNvPr id="7" name="Titre 1"/>
-          <p:cNvSpPr>
-            <a:spLocks noGrp="1"/>
-          </p:cNvSpPr>
-          <p:nvPr>
-            <p:ph type="title"/>
-          </p:nvPr>
-        </p:nvSpPr>
-        <p:spPr>
-          <a:xfrm>
-            <a:off x="989900" y="234892"/>
-            <a:ext cx="10058400" cy="705514"/>
-          </a:xfrm>
-        </p:spPr>
-        <p:txBody>
-          <a:bodyPr>
-            <a:normAutofit fontScale="90000"/>
-          </a:bodyPr>
-          <a:lstStyle/>
-          <a:p>
-            <a:pPr algn="ctr"/>
-            <a:r>
-              <a:rPr lang="fr-FR" dirty="0"/>
-              <a:t>3.	</a:t>
-            </a:r>
-            <a:r>
-              <a:rPr lang="fr-FR" dirty="0" err="1"/>
-              <a:t>TermSaver</a:t>
-            </a:r>
-            <a:r>
-              <a:rPr lang="fr-FR" dirty="0"/>
-              <a:t> dynamique</a:t>
-            </a:r>
-          </a:p>
-        </p:txBody>
-      </p:sp>
     </p:spTree>
     <p:extLst>
       <p:ext uri="{BB962C8B-B14F-4D97-AF65-F5344CB8AC3E}">
@@ -4954,6 +4955,214 @@
 </file>
 
 <file path=ppt/slides/slide6.xml><?xml version="1.0" encoding="utf-8"?>
+<p:sld xmlns:a="http://schemas.openxmlformats.org/drawingml/2006/main" xmlns:r="http://schemas.openxmlformats.org/officeDocument/2006/relationships" xmlns:p="http://schemas.openxmlformats.org/presentationml/2006/main">
+  <p:cSld>
+    <p:spTree>
+      <p:nvGrpSpPr>
+        <p:cNvPr id="1" name=""/>
+        <p:cNvGrpSpPr/>
+        <p:nvPr/>
+      </p:nvGrpSpPr>
+      <p:grpSpPr>
+        <a:xfrm>
+          <a:off x="0" y="0"/>
+          <a:ext cx="0" cy="0"/>
+          <a:chOff x="0" y="0"/>
+          <a:chExt cx="0" cy="0"/>
+        </a:xfrm>
+      </p:grpSpPr>
+      <p:sp>
+        <p:nvSpPr>
+          <p:cNvPr id="2" name="Titre 1"/>
+          <p:cNvSpPr>
+            <a:spLocks noGrp="1"/>
+          </p:cNvSpPr>
+          <p:nvPr>
+            <p:ph type="title"/>
+          </p:nvPr>
+        </p:nvSpPr>
+        <p:spPr>
+          <a:xfrm>
+            <a:off x="1097280" y="209725"/>
+            <a:ext cx="10058400" cy="688737"/>
+          </a:xfrm>
+        </p:spPr>
+        <p:txBody>
+          <a:bodyPr>
+            <a:normAutofit fontScale="90000"/>
+          </a:bodyPr>
+          <a:lstStyle/>
+          <a:p>
+            <a:pPr algn="ctr"/>
+            <a:r>
+              <a:rPr lang="fr-FR" dirty="0"/>
+              <a:t>3.	</a:t>
+            </a:r>
+            <a:r>
+              <a:rPr lang="fr-FR" dirty="0" err="1"/>
+              <a:t>TermSaver</a:t>
+            </a:r>
+            <a:r>
+              <a:rPr lang="fr-FR" dirty="0"/>
+              <a:t> dynamique</a:t>
+            </a:r>
+          </a:p>
+        </p:txBody>
+      </p:sp>
+      <p:sp>
+        <p:nvSpPr>
+          <p:cNvPr id="3" name="Espace réservé du contenu 2"/>
+          <p:cNvSpPr>
+            <a:spLocks noGrp="1"/>
+          </p:cNvSpPr>
+          <p:nvPr>
+            <p:ph idx="1"/>
+          </p:nvPr>
+        </p:nvSpPr>
+        <p:spPr>
+          <a:xfrm>
+            <a:off x="1097280" y="1870901"/>
+            <a:ext cx="10058400" cy="4023360"/>
+          </a:xfrm>
+        </p:spPr>
+        <p:txBody>
+          <a:bodyPr>
+            <a:normAutofit lnSpcReduction="10000"/>
+          </a:bodyPr>
+          <a:lstStyle/>
+          <a:p>
+            <a:r>
+              <a:rPr lang="fr-FR" dirty="0"/>
+              <a:t>- inclusion &lt;</a:t>
+            </a:r>
+            <a:r>
+              <a:rPr lang="fr-FR" dirty="0" err="1"/>
+              <a:t>time.h</a:t>
+            </a:r>
+            <a:r>
+              <a:rPr lang="fr-FR" dirty="0"/>
+              <a:t>&gt; pour récupérer l’heure </a:t>
+            </a:r>
+          </a:p>
+          <a:p>
+            <a:r>
+              <a:rPr lang="fr-FR" dirty="0"/>
+              <a:t>- heure stockée dans une structure </a:t>
+            </a:r>
+            <a:r>
+              <a:rPr lang="fr-FR" dirty="0" err="1"/>
+              <a:t>tm</a:t>
+            </a:r>
+            <a:r>
+              <a:rPr lang="fr-FR" dirty="0"/>
+              <a:t> (instant dans notre cas)</a:t>
+            </a:r>
+          </a:p>
+          <a:p>
+            <a:r>
+              <a:rPr lang="fr-FR" dirty="0"/>
+              <a:t>- création d’une variable secondes (qui contiendra le nombre de secondes écoulées depuis 1</a:t>
+            </a:r>
+            <a:r>
+              <a:rPr lang="fr-FR" baseline="30000" dirty="0"/>
+              <a:t>er</a:t>
+            </a:r>
+            <a:r>
+              <a:rPr lang="fr-FR" dirty="0"/>
+              <a:t> </a:t>
+            </a:r>
+            <a:r>
+              <a:rPr lang="fr-FR" dirty="0" err="1"/>
+              <a:t>janv</a:t>
+            </a:r>
+            <a:r>
+              <a:rPr lang="fr-FR" dirty="0"/>
+              <a:t> 1970) et conversion en heure lisible avec </a:t>
+            </a:r>
+            <a:r>
+              <a:rPr lang="fr-FR" dirty="0" err="1"/>
+              <a:t>localtime</a:t>
+            </a:r>
+            <a:r>
+              <a:rPr lang="fr-FR" dirty="0"/>
+              <a:t>() puis stockage dans structure </a:t>
+            </a:r>
+            <a:r>
+              <a:rPr lang="fr-FR" dirty="0" err="1"/>
+              <a:t>tm</a:t>
+            </a:r>
+            <a:endParaRPr lang="fr-FR" dirty="0"/>
+          </a:p>
+          <a:p>
+            <a:endParaRPr lang="fr-FR" dirty="0"/>
+          </a:p>
+          <a:p>
+            <a:endParaRPr lang="fr-FR" dirty="0"/>
+          </a:p>
+          <a:p>
+            <a:r>
+              <a:rPr lang="fr-FR" dirty="0"/>
+              <a:t>- Impossibilité affichage image PBM les unes à côté des autres --&gt; utilisation tableaux à deux dimensions</a:t>
+            </a:r>
+          </a:p>
+          <a:p>
+            <a:r>
+              <a:rPr lang="fr-FR" dirty="0"/>
+              <a:t>colonnes = les caractères présents dans images PBM </a:t>
+            </a:r>
+          </a:p>
+          <a:p>
+            <a:r>
+              <a:rPr lang="fr-FR" dirty="0"/>
+              <a:t>lignes = aux différents chiffres </a:t>
+            </a:r>
+          </a:p>
+        </p:txBody>
+      </p:sp>
+      <p:pic>
+        <p:nvPicPr>
+          <p:cNvPr id="6" name="Image 5"/>
+          <p:cNvPicPr>
+            <a:picLocks noChangeAspect="1"/>
+          </p:cNvPicPr>
+          <p:nvPr/>
+        </p:nvPicPr>
+        <p:blipFill>
+          <a:blip r:embed="rId2">
+            <a:extLst>
+              <a:ext uri="{28A0092B-C50C-407E-A947-70E740481C1C}">
+                <a14:useLocalDpi xmlns:a14="http://schemas.microsoft.com/office/drawing/2010/main" val="0"/>
+              </a:ext>
+            </a:extLst>
+          </a:blip>
+          <a:stretch>
+            <a:fillRect/>
+          </a:stretch>
+        </p:blipFill>
+        <p:spPr>
+          <a:xfrm>
+            <a:off x="1175816" y="3294505"/>
+            <a:ext cx="2314898" cy="857370"/>
+          </a:xfrm>
+          <a:prstGeom prst="rect">
+            <a:avLst/>
+          </a:prstGeom>
+        </p:spPr>
+      </p:pic>
+    </p:spTree>
+    <p:extLst>
+      <p:ext uri="{BB962C8B-B14F-4D97-AF65-F5344CB8AC3E}">
+        <p14:creationId xmlns:p14="http://schemas.microsoft.com/office/powerpoint/2010/main" val="2559230739"/>
+      </p:ext>
+    </p:extLst>
+  </p:cSld>
+  <p:clrMapOvr>
+    <a:masterClrMapping/>
+  </p:clrMapOvr>
+</p:sld>
+</file>
+
+<file path=ppt/slides/slide7.xml><?xml version="1.0" encoding="utf-8"?>
 <p:sld xmlns:a="http://schemas.openxmlformats.org/drawingml/2006/main" xmlns:r="http://schemas.openxmlformats.org/officeDocument/2006/relationships" xmlns:p="http://schemas.openxmlformats.org/presentationml/2006/main">
   <p:cSld>
     <p:spTree>
@@ -5072,7 +5281,7 @@
 </p:sld>
 </file>
 
-<file path=ppt/slides/slide7.xml><?xml version="1.0" encoding="utf-8"?>
+<file path=ppt/slides/slide8.xml><?xml version="1.0" encoding="utf-8"?>
 <p:sld xmlns:a="http://schemas.openxmlformats.org/drawingml/2006/main" xmlns:r="http://schemas.openxmlformats.org/officeDocument/2006/relationships" xmlns:p="http://schemas.openxmlformats.org/presentationml/2006/main">
   <p:cSld>
     <p:spTree>

--- a/PPT eXiaSaver.pptx
+++ b/PPT eXiaSaver.pptx
@@ -5,17 +5,18 @@
     <p:sldMasterId id="2147483723" r:id="rId1"/>
   </p:sldMasterIdLst>
   <p:notesMasterIdLst>
-    <p:notesMasterId r:id="rId10"/>
+    <p:notesMasterId r:id="rId11"/>
   </p:notesMasterIdLst>
   <p:sldIdLst>
     <p:sldId id="256" r:id="rId2"/>
     <p:sldId id="261" r:id="rId3"/>
     <p:sldId id="257" r:id="rId4"/>
     <p:sldId id="263" r:id="rId5"/>
-    <p:sldId id="259" r:id="rId6"/>
-    <p:sldId id="264" r:id="rId7"/>
-    <p:sldId id="258" r:id="rId8"/>
-    <p:sldId id="260" r:id="rId9"/>
+    <p:sldId id="266" r:id="rId6"/>
+    <p:sldId id="259" r:id="rId7"/>
+    <p:sldId id="264" r:id="rId8"/>
+    <p:sldId id="258" r:id="rId9"/>
+    <p:sldId id="260" r:id="rId10"/>
   </p:sldIdLst>
   <p:sldSz cx="12192000" cy="6858000"/>
   <p:notesSz cx="7105650" cy="10236200"/>
@@ -362,7 +363,7 @@
           <a:p>
             <a:fld id="{FADD8E6C-20BA-4381-A1FD-E501C824742A}" type="slidenum">
               <a:rPr lang="fr-FR" smtClean="0"/>
-              <a:t>‹N°›</a:t>
+              <a:t>‹#›</a:t>
             </a:fld>
             <a:endParaRPr lang="fr-FR"/>
           </a:p>
@@ -739,7 +740,7 @@
           <a:p>
             <a:fld id="{BF8E8462-BA2D-465E-BD05-275D1A2EFDC9}" type="slidenum">
               <a:rPr lang="fr-FR" smtClean="0"/>
-              <a:t>‹N°›</a:t>
+              <a:t>‹#›</a:t>
             </a:fld>
             <a:endParaRPr lang="fr-FR"/>
           </a:p>
@@ -947,7 +948,7 @@
           <a:p>
             <a:fld id="{BF8E8462-BA2D-465E-BD05-275D1A2EFDC9}" type="slidenum">
               <a:rPr lang="fr-FR" smtClean="0"/>
-              <a:t>‹N°›</a:t>
+              <a:t>‹#›</a:t>
             </a:fld>
             <a:endParaRPr lang="fr-FR"/>
           </a:p>
@@ -1203,7 +1204,7 @@
           <a:p>
             <a:fld id="{BF8E8462-BA2D-465E-BD05-275D1A2EFDC9}" type="slidenum">
               <a:rPr lang="fr-FR" smtClean="0"/>
-              <a:t>‹N°›</a:t>
+              <a:t>‹#›</a:t>
             </a:fld>
             <a:endParaRPr lang="fr-FR"/>
           </a:p>
@@ -1377,7 +1378,7 @@
           <a:p>
             <a:fld id="{BF8E8462-BA2D-465E-BD05-275D1A2EFDC9}" type="slidenum">
               <a:rPr lang="fr-FR" smtClean="0"/>
-              <a:t>‹N°›</a:t>
+              <a:t>‹#›</a:t>
             </a:fld>
             <a:endParaRPr lang="fr-FR"/>
           </a:p>
@@ -1720,7 +1721,7 @@
           <a:p>
             <a:fld id="{BF8E8462-BA2D-465E-BD05-275D1A2EFDC9}" type="slidenum">
               <a:rPr lang="fr-FR" smtClean="0"/>
-              <a:t>‹N°›</a:t>
+              <a:t>‹#›</a:t>
             </a:fld>
             <a:endParaRPr lang="fr-FR"/>
           </a:p>
@@ -1995,7 +1996,7 @@
           <a:p>
             <a:fld id="{BF8E8462-BA2D-465E-BD05-275D1A2EFDC9}" type="slidenum">
               <a:rPr lang="fr-FR" smtClean="0"/>
-              <a:t>‹N°›</a:t>
+              <a:t>‹#›</a:t>
             </a:fld>
             <a:endParaRPr lang="fr-FR"/>
           </a:p>
@@ -2374,7 +2375,7 @@
           <a:p>
             <a:fld id="{BF8E8462-BA2D-465E-BD05-275D1A2EFDC9}" type="slidenum">
               <a:rPr lang="fr-FR" smtClean="0"/>
-              <a:t>‹N°›</a:t>
+              <a:t>‹#›</a:t>
             </a:fld>
             <a:endParaRPr lang="fr-FR"/>
           </a:p>
@@ -2492,7 +2493,7 @@
           <a:p>
             <a:fld id="{BF8E8462-BA2D-465E-BD05-275D1A2EFDC9}" type="slidenum">
               <a:rPr lang="fr-FR" smtClean="0"/>
-              <a:t>‹N°›</a:t>
+              <a:t>‹#›</a:t>
             </a:fld>
             <a:endParaRPr lang="fr-FR"/>
           </a:p>
@@ -2671,7 +2672,7 @@
           <a:p>
             <a:fld id="{BF8E8462-BA2D-465E-BD05-275D1A2EFDC9}" type="slidenum">
               <a:rPr lang="fr-FR" smtClean="0"/>
-              <a:t>‹N°›</a:t>
+              <a:t>‹#›</a:t>
             </a:fld>
             <a:endParaRPr lang="fr-FR"/>
           </a:p>
@@ -3038,7 +3039,7 @@
           <a:p>
             <a:fld id="{BF8E8462-BA2D-465E-BD05-275D1A2EFDC9}" type="slidenum">
               <a:rPr lang="fr-FR" smtClean="0"/>
-              <a:t>‹N°›</a:t>
+              <a:t>‹#›</a:t>
             </a:fld>
             <a:endParaRPr lang="fr-FR"/>
           </a:p>
@@ -3399,7 +3400,7 @@
           <a:p>
             <a:fld id="{BF8E8462-BA2D-465E-BD05-275D1A2EFDC9}" type="slidenum">
               <a:rPr lang="fr-FR" smtClean="0"/>
-              <a:t>‹N°›</a:t>
+              <a:t>‹#›</a:t>
             </a:fld>
             <a:endParaRPr lang="fr-FR"/>
           </a:p>
@@ -3718,7 +3719,7 @@
           <a:p>
             <a:fld id="{BF8E8462-BA2D-465E-BD05-275D1A2EFDC9}" type="slidenum">
               <a:rPr lang="fr-FR" smtClean="0"/>
-              <a:t>‹N°›</a:t>
+              <a:t>‹#›</a:t>
             </a:fld>
             <a:endParaRPr lang="fr-FR"/>
           </a:p>
@@ -4785,35 +4786,36 @@
           </a:p>
         </p:txBody>
       </p:sp>
-      <p:sp>
-        <p:nvSpPr>
-          <p:cNvPr id="3" name="ZoneTexte 2"/>
-          <p:cNvSpPr txBox="1"/>
+      <p:pic>
+        <p:nvPicPr>
+          <p:cNvPr id="2" name="Image 1"/>
+          <p:cNvPicPr>
+            <a:picLocks noChangeAspect="1"/>
+          </p:cNvPicPr>
           <p:nvPr/>
-        </p:nvSpPr>
-        <p:spPr>
-          <a:xfrm>
-            <a:off x="1183340" y="1842246"/>
-            <a:ext cx="10044953" cy="369332"/>
+        </p:nvPicPr>
+        <p:blipFill>
+          <a:blip r:embed="rId3">
+            <a:extLst>
+              <a:ext uri="{28A0092B-C50C-407E-A947-70E740481C1C}">
+                <a14:useLocalDpi xmlns:a14="http://schemas.microsoft.com/office/drawing/2010/main" val="0"/>
+              </a:ext>
+            </a:extLst>
+          </a:blip>
+          <a:stretch>
+            <a:fillRect/>
+          </a:stretch>
+        </p:blipFill>
+        <p:spPr>
+          <a:xfrm>
+            <a:off x="2840896" y="1747778"/>
+            <a:ext cx="6606561" cy="4490976"/>
           </a:xfrm>
           <a:prstGeom prst="rect">
             <a:avLst/>
           </a:prstGeom>
-          <a:noFill/>
-        </p:spPr>
-        <p:txBody>
-          <a:bodyPr wrap="square" rtlCol="0">
-            <a:spAutoFit/>
-          </a:bodyPr>
-          <a:lstStyle/>
-          <a:p>
-            <a:r>
-              <a:rPr lang="fr-FR" dirty="0"/>
-              <a:t>l</a:t>
-            </a:r>
-          </a:p>
-        </p:txBody>
-      </p:sp>
+        </p:spPr>
+      </p:pic>
     </p:spTree>
     <p:extLst>
       <p:ext uri="{BB962C8B-B14F-4D97-AF65-F5344CB8AC3E}">
@@ -4828,6 +4830,164 @@
 </file>
 
 <file path=ppt/slides/slide5.xml><?xml version="1.0" encoding="utf-8"?>
+<p:sld xmlns:a="http://schemas.openxmlformats.org/drawingml/2006/main" xmlns:r="http://schemas.openxmlformats.org/officeDocument/2006/relationships" xmlns:p="http://schemas.openxmlformats.org/presentationml/2006/main">
+  <p:cSld>
+    <p:spTree>
+      <p:nvGrpSpPr>
+        <p:cNvPr id="1" name=""/>
+        <p:cNvGrpSpPr/>
+        <p:nvPr/>
+      </p:nvGrpSpPr>
+      <p:grpSpPr>
+        <a:xfrm>
+          <a:off x="0" y="0"/>
+          <a:ext cx="0" cy="0"/>
+          <a:chOff x="0" y="0"/>
+          <a:chExt cx="0" cy="0"/>
+        </a:xfrm>
+      </p:grpSpPr>
+      <p:pic>
+        <p:nvPicPr>
+          <p:cNvPr id="4" name="Image 3"/>
+          <p:cNvPicPr>
+            <a:picLocks noChangeAspect="1"/>
+          </p:cNvPicPr>
+          <p:nvPr/>
+        </p:nvPicPr>
+        <p:blipFill>
+          <a:blip r:embed="rId2">
+            <a:extLst>
+              <a:ext uri="{28A0092B-C50C-407E-A947-70E740481C1C}">
+                <a14:useLocalDpi xmlns:a14="http://schemas.microsoft.com/office/drawing/2010/main" val="0"/>
+              </a:ext>
+            </a:extLst>
+          </a:blip>
+          <a:stretch>
+            <a:fillRect/>
+          </a:stretch>
+        </p:blipFill>
+        <p:spPr>
+          <a:xfrm>
+            <a:off x="11048300" y="6074882"/>
+            <a:ext cx="1003225" cy="650366"/>
+          </a:xfrm>
+          <a:prstGeom prst="rect">
+            <a:avLst/>
+          </a:prstGeom>
+        </p:spPr>
+      </p:pic>
+      <p:sp>
+        <p:nvSpPr>
+          <p:cNvPr id="6" name="Titre 1"/>
+          <p:cNvSpPr>
+            <a:spLocks noGrp="1"/>
+          </p:cNvSpPr>
+          <p:nvPr>
+            <p:ph type="title"/>
+          </p:nvPr>
+        </p:nvSpPr>
+        <p:spPr>
+          <a:xfrm>
+            <a:off x="989900" y="234892"/>
+            <a:ext cx="10058400" cy="705514"/>
+          </a:xfrm>
+        </p:spPr>
+        <p:txBody>
+          <a:bodyPr>
+            <a:normAutofit fontScale="90000"/>
+          </a:bodyPr>
+          <a:lstStyle/>
+          <a:p>
+            <a:pPr algn="ctr"/>
+            <a:r>
+              <a:rPr lang="fr-FR" dirty="0"/>
+              <a:t>2.	</a:t>
+            </a:r>
+            <a:r>
+              <a:rPr lang="fr-FR" dirty="0" err="1"/>
+              <a:t>TermSaver</a:t>
+            </a:r>
+            <a:r>
+              <a:rPr lang="fr-FR" dirty="0"/>
+              <a:t> statique</a:t>
+            </a:r>
+          </a:p>
+        </p:txBody>
+      </p:sp>
+      <p:pic>
+        <p:nvPicPr>
+          <p:cNvPr id="2" name="Image 1"/>
+          <p:cNvPicPr>
+            <a:picLocks noChangeAspect="1"/>
+          </p:cNvPicPr>
+          <p:nvPr/>
+        </p:nvPicPr>
+        <p:blipFill>
+          <a:blip r:embed="rId3">
+            <a:extLst>
+              <a:ext uri="{28A0092B-C50C-407E-A947-70E740481C1C}">
+                <a14:useLocalDpi xmlns:a14="http://schemas.microsoft.com/office/drawing/2010/main" val="0"/>
+              </a:ext>
+            </a:extLst>
+          </a:blip>
+          <a:stretch>
+            <a:fillRect/>
+          </a:stretch>
+        </p:blipFill>
+        <p:spPr>
+          <a:xfrm>
+            <a:off x="1183340" y="1842246"/>
+            <a:ext cx="8915400" cy="1689100"/>
+          </a:xfrm>
+          <a:prstGeom prst="rect">
+            <a:avLst/>
+          </a:prstGeom>
+        </p:spPr>
+      </p:pic>
+      <p:pic>
+        <p:nvPicPr>
+          <p:cNvPr id="5" name="Image 4"/>
+          <p:cNvPicPr>
+            <a:picLocks noChangeAspect="1"/>
+          </p:cNvPicPr>
+          <p:nvPr/>
+        </p:nvPicPr>
+        <p:blipFill>
+          <a:blip r:embed="rId4">
+            <a:extLst>
+              <a:ext uri="{28A0092B-C50C-407E-A947-70E740481C1C}">
+                <a14:useLocalDpi xmlns:a14="http://schemas.microsoft.com/office/drawing/2010/main" val="0"/>
+              </a:ext>
+            </a:extLst>
+          </a:blip>
+          <a:stretch>
+            <a:fillRect/>
+          </a:stretch>
+        </p:blipFill>
+        <p:spPr>
+          <a:xfrm>
+            <a:off x="1183340" y="3791836"/>
+            <a:ext cx="7810500" cy="1282700"/>
+          </a:xfrm>
+          <a:prstGeom prst="rect">
+            <a:avLst/>
+          </a:prstGeom>
+        </p:spPr>
+      </p:pic>
+    </p:spTree>
+    <p:extLst>
+      <p:ext uri="{BB962C8B-B14F-4D97-AF65-F5344CB8AC3E}">
+        <p14:creationId xmlns:p14="http://schemas.microsoft.com/office/powerpoint/2010/main" val="230198793"/>
+      </p:ext>
+    </p:extLst>
+  </p:cSld>
+  <p:clrMapOvr>
+    <a:masterClrMapping/>
+  </p:clrMapOvr>
+</p:sld>
+</file>
+
+<file path=ppt/slides/slide6.xml><?xml version="1.0" encoding="utf-8"?>
 <p:sld xmlns:a="http://schemas.openxmlformats.org/drawingml/2006/main" xmlns:r="http://schemas.openxmlformats.org/officeDocument/2006/relationships" xmlns:p="http://schemas.openxmlformats.org/presentationml/2006/main">
   <p:cSld>
     <p:spTree>
@@ -4954,7 +5114,7 @@
 </p:sld>
 </file>
 
-<file path=ppt/slides/slide6.xml><?xml version="1.0" encoding="utf-8"?>
+<file path=ppt/slides/slide7.xml><?xml version="1.0" encoding="utf-8"?>
 <p:sld xmlns:a="http://schemas.openxmlformats.org/drawingml/2006/main" xmlns:r="http://schemas.openxmlformats.org/officeDocument/2006/relationships" xmlns:p="http://schemas.openxmlformats.org/presentationml/2006/main">
   <p:cSld>
     <p:spTree>
@@ -5162,7 +5322,7 @@
 </p:sld>
 </file>
 
-<file path=ppt/slides/slide7.xml><?xml version="1.0" encoding="utf-8"?>
+<file path=ppt/slides/slide8.xml><?xml version="1.0" encoding="utf-8"?>
 <p:sld xmlns:a="http://schemas.openxmlformats.org/drawingml/2006/main" xmlns:r="http://schemas.openxmlformats.org/officeDocument/2006/relationships" xmlns:p="http://schemas.openxmlformats.org/presentationml/2006/main">
   <p:cSld>
     <p:spTree>
@@ -5281,7 +5441,7 @@
 </p:sld>
 </file>
 
-<file path=ppt/slides/slide8.xml><?xml version="1.0" encoding="utf-8"?>
+<file path=ppt/slides/slide9.xml><?xml version="1.0" encoding="utf-8"?>
 <p:sld xmlns:a="http://schemas.openxmlformats.org/drawingml/2006/main" xmlns:r="http://schemas.openxmlformats.org/officeDocument/2006/relationships" xmlns:p="http://schemas.openxmlformats.org/presentationml/2006/main">
   <p:cSld>
     <p:spTree>

--- a/PPT eXiaSaver.pptx
+++ b/PPT eXiaSaver.pptx
@@ -5,18 +5,21 @@
     <p:sldMasterId id="2147483723" r:id="rId1"/>
   </p:sldMasterIdLst>
   <p:notesMasterIdLst>
-    <p:notesMasterId r:id="rId11"/>
+    <p:notesMasterId r:id="rId14"/>
   </p:notesMasterIdLst>
   <p:sldIdLst>
     <p:sldId id="256" r:id="rId2"/>
     <p:sldId id="261" r:id="rId3"/>
-    <p:sldId id="257" r:id="rId4"/>
-    <p:sldId id="263" r:id="rId5"/>
-    <p:sldId id="266" r:id="rId6"/>
-    <p:sldId id="259" r:id="rId7"/>
-    <p:sldId id="264" r:id="rId8"/>
-    <p:sldId id="258" r:id="rId9"/>
-    <p:sldId id="260" r:id="rId10"/>
+    <p:sldId id="268" r:id="rId4"/>
+    <p:sldId id="257" r:id="rId5"/>
+    <p:sldId id="263" r:id="rId6"/>
+    <p:sldId id="266" r:id="rId7"/>
+    <p:sldId id="259" r:id="rId8"/>
+    <p:sldId id="264" r:id="rId9"/>
+    <p:sldId id="269" r:id="rId10"/>
+    <p:sldId id="260" r:id="rId11"/>
+    <p:sldId id="270" r:id="rId12"/>
+    <p:sldId id="267" r:id="rId13"/>
   </p:sldIdLst>
   <p:sldSz cx="12192000" cy="6858000"/>
   <p:notesSz cx="7105650" cy="10236200"/>
@@ -205,7 +208,7 @@
           <a:p>
             <a:fld id="{4DEC341D-D0B0-430D-AE82-50C1F50B5407}" type="datetimeFigureOut">
               <a:rPr lang="fr-FR" smtClean="0"/>
-              <a:t>15/12/2016</a:t>
+              <a:t>16/12/2016</a:t>
             </a:fld>
             <a:endParaRPr lang="fr-FR"/>
           </a:p>
@@ -363,7 +366,7 @@
           <a:p>
             <a:fld id="{FADD8E6C-20BA-4381-A1FD-E501C824742A}" type="slidenum">
               <a:rPr lang="fr-FR" smtClean="0"/>
-              <a:t>‹#›</a:t>
+              <a:t>‹N°›</a:t>
             </a:fld>
             <a:endParaRPr lang="fr-FR"/>
           </a:p>
@@ -696,9 +699,9 @@
           <a:bodyPr/>
           <a:lstStyle/>
           <a:p>
-            <a:fld id="{29D8AC71-CB11-4745-AAD5-F4F4AB5C6044}" type="datetimeFigureOut">
+            <a:fld id="{9368ECA3-6BB7-41E1-8502-876CE11DDB82}" type="datetime1">
               <a:rPr lang="fr-FR" smtClean="0"/>
-              <a:t>15/12/2016</a:t>
+              <a:t>16/12/2016</a:t>
             </a:fld>
             <a:endParaRPr lang="fr-FR"/>
           </a:p>
@@ -740,7 +743,7 @@
           <a:p>
             <a:fld id="{BF8E8462-BA2D-465E-BD05-275D1A2EFDC9}" type="slidenum">
               <a:rPr lang="fr-FR" smtClean="0"/>
-              <a:t>‹#›</a:t>
+              <a:t>‹N°›</a:t>
             </a:fld>
             <a:endParaRPr lang="fr-FR"/>
           </a:p>
@@ -904,9 +907,9 @@
           <a:bodyPr/>
           <a:lstStyle/>
           <a:p>
-            <a:fld id="{29D8AC71-CB11-4745-AAD5-F4F4AB5C6044}" type="datetimeFigureOut">
+            <a:fld id="{89E114D7-7CAE-4C31-A2A5-22D47BDC46AF}" type="datetime1">
               <a:rPr lang="fr-FR" smtClean="0"/>
-              <a:t>15/12/2016</a:t>
+              <a:t>16/12/2016</a:t>
             </a:fld>
             <a:endParaRPr lang="fr-FR"/>
           </a:p>
@@ -948,7 +951,7 @@
           <a:p>
             <a:fld id="{BF8E8462-BA2D-465E-BD05-275D1A2EFDC9}" type="slidenum">
               <a:rPr lang="fr-FR" smtClean="0"/>
-              <a:t>‹#›</a:t>
+              <a:t>‹N°›</a:t>
             </a:fld>
             <a:endParaRPr lang="fr-FR"/>
           </a:p>
@@ -1160,9 +1163,9 @@
           <a:bodyPr/>
           <a:lstStyle/>
           <a:p>
-            <a:fld id="{29D8AC71-CB11-4745-AAD5-F4F4AB5C6044}" type="datetimeFigureOut">
+            <a:fld id="{368B3710-1CB5-446D-9086-97268FA609BD}" type="datetime1">
               <a:rPr lang="fr-FR" smtClean="0"/>
-              <a:t>15/12/2016</a:t>
+              <a:t>16/12/2016</a:t>
             </a:fld>
             <a:endParaRPr lang="fr-FR"/>
           </a:p>
@@ -1204,7 +1207,7 @@
           <a:p>
             <a:fld id="{BF8E8462-BA2D-465E-BD05-275D1A2EFDC9}" type="slidenum">
               <a:rPr lang="fr-FR" smtClean="0"/>
-              <a:t>‹#›</a:t>
+              <a:t>‹N°›</a:t>
             </a:fld>
             <a:endParaRPr lang="fr-FR"/>
           </a:p>
@@ -1334,9 +1337,9 @@
           <a:bodyPr/>
           <a:lstStyle/>
           <a:p>
-            <a:fld id="{29D8AC71-CB11-4745-AAD5-F4F4AB5C6044}" type="datetimeFigureOut">
+            <a:fld id="{1E66AF64-5BEA-4675-8A65-907C5A7BDCC8}" type="datetime1">
               <a:rPr lang="fr-FR" smtClean="0"/>
-              <a:t>15/12/2016</a:t>
+              <a:t>16/12/2016</a:t>
             </a:fld>
             <a:endParaRPr lang="fr-FR"/>
           </a:p>
@@ -1378,7 +1381,7 @@
           <a:p>
             <a:fld id="{BF8E8462-BA2D-465E-BD05-275D1A2EFDC9}" type="slidenum">
               <a:rPr lang="fr-FR" smtClean="0"/>
-              <a:t>‹#›</a:t>
+              <a:t>‹N°›</a:t>
             </a:fld>
             <a:endParaRPr lang="fr-FR"/>
           </a:p>
@@ -1677,9 +1680,9 @@
           <a:bodyPr/>
           <a:lstStyle/>
           <a:p>
-            <a:fld id="{29D8AC71-CB11-4745-AAD5-F4F4AB5C6044}" type="datetimeFigureOut">
+            <a:fld id="{8066973E-AAE4-4844-AE7D-A674980AA831}" type="datetime1">
               <a:rPr lang="fr-FR" smtClean="0"/>
-              <a:t>15/12/2016</a:t>
+              <a:t>16/12/2016</a:t>
             </a:fld>
             <a:endParaRPr lang="fr-FR"/>
           </a:p>
@@ -1721,7 +1724,7 @@
           <a:p>
             <a:fld id="{BF8E8462-BA2D-465E-BD05-275D1A2EFDC9}" type="slidenum">
               <a:rPr lang="fr-FR" smtClean="0"/>
-              <a:t>‹#›</a:t>
+              <a:t>‹N°›</a:t>
             </a:fld>
             <a:endParaRPr lang="fr-FR"/>
           </a:p>
@@ -1952,9 +1955,9 @@
           <a:bodyPr/>
           <a:lstStyle/>
           <a:p>
-            <a:fld id="{29D8AC71-CB11-4745-AAD5-F4F4AB5C6044}" type="datetimeFigureOut">
+            <a:fld id="{B7DCFF50-B455-4EC1-BFD6-76482636D2BC}" type="datetime1">
               <a:rPr lang="fr-FR" smtClean="0"/>
-              <a:t>15/12/2016</a:t>
+              <a:t>16/12/2016</a:t>
             </a:fld>
             <a:endParaRPr lang="fr-FR"/>
           </a:p>
@@ -1996,7 +1999,7 @@
           <a:p>
             <a:fld id="{BF8E8462-BA2D-465E-BD05-275D1A2EFDC9}" type="slidenum">
               <a:rPr lang="fr-FR" smtClean="0"/>
-              <a:t>‹#›</a:t>
+              <a:t>‹N°›</a:t>
             </a:fld>
             <a:endParaRPr lang="fr-FR"/>
           </a:p>
@@ -2331,9 +2334,9 @@
           <a:bodyPr/>
           <a:lstStyle/>
           <a:p>
-            <a:fld id="{29D8AC71-CB11-4745-AAD5-F4F4AB5C6044}" type="datetimeFigureOut">
+            <a:fld id="{24A1099C-6CE5-4A18-8EC4-59F9385CC731}" type="datetime1">
               <a:rPr lang="fr-FR" smtClean="0"/>
-              <a:t>15/12/2016</a:t>
+              <a:t>16/12/2016</a:t>
             </a:fld>
             <a:endParaRPr lang="fr-FR"/>
           </a:p>
@@ -2375,7 +2378,7 @@
           <a:p>
             <a:fld id="{BF8E8462-BA2D-465E-BD05-275D1A2EFDC9}" type="slidenum">
               <a:rPr lang="fr-FR" smtClean="0"/>
-              <a:t>‹#›</a:t>
+              <a:t>‹N°›</a:t>
             </a:fld>
             <a:endParaRPr lang="fr-FR"/>
           </a:p>
@@ -2449,9 +2452,9 @@
           <a:bodyPr/>
           <a:lstStyle/>
           <a:p>
-            <a:fld id="{29D8AC71-CB11-4745-AAD5-F4F4AB5C6044}" type="datetimeFigureOut">
+            <a:fld id="{90764732-45CE-4C22-9C4B-1D2ED277FB18}" type="datetime1">
               <a:rPr lang="fr-FR" smtClean="0"/>
-              <a:t>15/12/2016</a:t>
+              <a:t>16/12/2016</a:t>
             </a:fld>
             <a:endParaRPr lang="fr-FR"/>
           </a:p>
@@ -2493,7 +2496,7 @@
           <a:p>
             <a:fld id="{BF8E8462-BA2D-465E-BD05-275D1A2EFDC9}" type="slidenum">
               <a:rPr lang="fr-FR" smtClean="0"/>
-              <a:t>‹#›</a:t>
+              <a:t>‹N°›</a:t>
             </a:fld>
             <a:endParaRPr lang="fr-FR"/>
           </a:p>
@@ -2620,9 +2623,9 @@
           <a:bodyPr/>
           <a:lstStyle/>
           <a:p>
-            <a:fld id="{29D8AC71-CB11-4745-AAD5-F4F4AB5C6044}" type="datetimeFigureOut">
+            <a:fld id="{E4211F96-A97D-4623-AC65-F86CFD0CCDB8}" type="datetime1">
               <a:rPr lang="fr-FR" smtClean="0"/>
-              <a:t>15/12/2016</a:t>
+              <a:t>16/12/2016</a:t>
             </a:fld>
             <a:endParaRPr lang="fr-FR"/>
           </a:p>
@@ -2672,7 +2675,7 @@
           <a:p>
             <a:fld id="{BF8E8462-BA2D-465E-BD05-275D1A2EFDC9}" type="slidenum">
               <a:rPr lang="fr-FR" smtClean="0"/>
-              <a:t>‹#›</a:t>
+              <a:t>‹N°›</a:t>
             </a:fld>
             <a:endParaRPr lang="fr-FR"/>
           </a:p>
@@ -2974,9 +2977,9 @@
             </a:lvl1pPr>
           </a:lstStyle>
           <a:p>
-            <a:fld id="{29D8AC71-CB11-4745-AAD5-F4F4AB5C6044}" type="datetimeFigureOut">
+            <a:fld id="{A4DACE47-8374-4065-B235-2BA0BA12A72B}" type="datetime1">
               <a:rPr lang="fr-FR" smtClean="0"/>
-              <a:t>15/12/2016</a:t>
+              <a:t>16/12/2016</a:t>
             </a:fld>
             <a:endParaRPr lang="fr-FR"/>
           </a:p>
@@ -3039,7 +3042,7 @@
           <a:p>
             <a:fld id="{BF8E8462-BA2D-465E-BD05-275D1A2EFDC9}" type="slidenum">
               <a:rPr lang="fr-FR" smtClean="0"/>
-              <a:t>‹#›</a:t>
+              <a:t>‹N°›</a:t>
             </a:fld>
             <a:endParaRPr lang="fr-FR"/>
           </a:p>
@@ -3356,9 +3359,9 @@
           <a:bodyPr/>
           <a:lstStyle/>
           <a:p>
-            <a:fld id="{29D8AC71-CB11-4745-AAD5-F4F4AB5C6044}" type="datetimeFigureOut">
+            <a:fld id="{C2EBB8B3-7915-4FDF-A026-F6A1B98C3389}" type="datetime1">
               <a:rPr lang="fr-FR" smtClean="0"/>
-              <a:t>15/12/2016</a:t>
+              <a:t>16/12/2016</a:t>
             </a:fld>
             <a:endParaRPr lang="fr-FR"/>
           </a:p>
@@ -3400,7 +3403,7 @@
           <a:p>
             <a:fld id="{BF8E8462-BA2D-465E-BD05-275D1A2EFDC9}" type="slidenum">
               <a:rPr lang="fr-FR" smtClean="0"/>
-              <a:t>‹#›</a:t>
+              <a:t>‹N°›</a:t>
             </a:fld>
             <a:endParaRPr lang="fr-FR"/>
           </a:p>
@@ -3643,9 +3646,9 @@
             </a:lvl1pPr>
           </a:lstStyle>
           <a:p>
-            <a:fld id="{29D8AC71-CB11-4745-AAD5-F4F4AB5C6044}" type="datetimeFigureOut">
+            <a:fld id="{28BD9F0C-8FAC-49A4-B0AD-155308AD78C3}" type="datetime1">
               <a:rPr lang="fr-FR" smtClean="0"/>
-              <a:t>15/12/2016</a:t>
+              <a:t>16/12/2016</a:t>
             </a:fld>
             <a:endParaRPr lang="fr-FR"/>
           </a:p>
@@ -3719,7 +3722,7 @@
           <a:p>
             <a:fld id="{BF8E8462-BA2D-465E-BD05-275D1A2EFDC9}" type="slidenum">
               <a:rPr lang="fr-FR" smtClean="0"/>
-              <a:t>‹#›</a:t>
+              <a:t>‹N°›</a:t>
             </a:fld>
             <a:endParaRPr lang="fr-FR"/>
           </a:p>
@@ -3784,6 +3787,7 @@
     <p:sldLayoutId id="2147483733" r:id="rId10"/>
     <p:sldLayoutId id="2147483734" r:id="rId11"/>
   </p:sldLayoutIdLst>
+  <p:hf hdr="0" ftr="0" dt="0"/>
   <p:txStyles>
     <p:titleStyle>
       <a:lvl1pPr algn="l" defTabSz="914400" rtl="0" eaLnBrk="1" latinLnBrk="0" hangingPunct="1">
@@ -4181,7 +4185,7 @@
         </p:nvSpPr>
         <p:spPr>
           <a:xfrm>
-            <a:off x="1411775" y="1140903"/>
+            <a:off x="1425222" y="1910774"/>
             <a:ext cx="9144000" cy="1033608"/>
           </a:xfrm>
         </p:spPr>
@@ -4194,45 +4198,8 @@
             <a:pPr algn="ctr"/>
             <a:r>
               <a:rPr lang="fr-FR" dirty="0"/>
-              <a:t>Projet Programmation </a:t>
-            </a:r>
-            <a:r>
-              <a:rPr lang="fr-FR" dirty="0" err="1"/>
-              <a:t>Procedurale</a:t>
-            </a:r>
-            <a:endParaRPr lang="fr-FR" dirty="0"/>
-          </a:p>
-        </p:txBody>
-      </p:sp>
-      <p:sp>
-        <p:nvSpPr>
-          <p:cNvPr id="3" name="Sous-titre 2"/>
-          <p:cNvSpPr>
-            <a:spLocks noGrp="1"/>
-          </p:cNvSpPr>
-          <p:nvPr>
-            <p:ph type="subTitle" idx="1"/>
-          </p:nvPr>
-        </p:nvSpPr>
-        <p:spPr>
-          <a:xfrm>
-            <a:off x="1461081" y="2427578"/>
-            <a:ext cx="9269835" cy="2756817"/>
-          </a:xfrm>
-        </p:spPr>
-        <p:txBody>
-          <a:bodyPr/>
-          <a:lstStyle/>
-          <a:p>
-            <a:r>
-              <a:rPr lang="fr-FR" dirty="0"/>
-              <a:t>Contexte: créer un générateur d’écran de veille qui choisit entre trois </a:t>
-            </a:r>
-            <a:r>
-              <a:rPr lang="fr-FR"/>
-              <a:t>types d’écrans de veille.</a:t>
-            </a:r>
-            <a:endParaRPr lang="fr-FR" dirty="0"/>
+              <a:t>Projet Programmation Procédurale</a:t>
+            </a:r>
           </a:p>
         </p:txBody>
       </p:sp>
@@ -4328,9 +4295,32 @@
           </a:p>
         </p:txBody>
       </p:sp>
+      <p:sp>
+        <p:nvSpPr>
+          <p:cNvPr id="6" name="Espace réservé du numéro de diapositive 5"/>
+          <p:cNvSpPr>
+            <a:spLocks noGrp="1"/>
+          </p:cNvSpPr>
+          <p:nvPr>
+            <p:ph type="sldNum" sz="quarter" idx="12"/>
+          </p:nvPr>
+        </p:nvSpPr>
+        <p:spPr/>
+        <p:txBody>
+          <a:bodyPr/>
+          <a:lstStyle/>
+          <a:p>
+            <a:fld id="{BF8E8462-BA2D-465E-BD05-275D1A2EFDC9}" type="slidenum">
+              <a:rPr lang="fr-FR" smtClean="0"/>
+              <a:t>1</a:t>
+            </a:fld>
+            <a:endParaRPr lang="fr-FR"/>
+          </a:p>
+        </p:txBody>
+      </p:sp>
       <p:pic>
         <p:nvPicPr>
-          <p:cNvPr id="7" name="Image 6"/>
+          <p:cNvPr id="8" name="Image 7"/>
           <p:cNvPicPr>
             <a:picLocks noChangeAspect="1"/>
           </p:cNvPicPr>
@@ -4350,7 +4340,7 @@
         </p:blipFill>
         <p:spPr>
           <a:xfrm>
-            <a:off x="11048300" y="6074882"/>
+            <a:off x="348923" y="5949376"/>
             <a:ext cx="1003225" cy="650366"/>
           </a:xfrm>
           <a:prstGeom prst="rect">
@@ -4358,10 +4348,703 @@
           </a:prstGeom>
         </p:spPr>
       </p:pic>
+      <p:sp>
+        <p:nvSpPr>
+          <p:cNvPr id="9" name="ZoneTexte 8"/>
+          <p:cNvSpPr txBox="1"/>
+          <p:nvPr/>
+        </p:nvSpPr>
+        <p:spPr>
+          <a:xfrm>
+            <a:off x="4098717" y="3364814"/>
+            <a:ext cx="3970059" cy="369332"/>
+          </a:xfrm>
+          <a:prstGeom prst="rect">
+            <a:avLst/>
+          </a:prstGeom>
+          <a:noFill/>
+        </p:spPr>
+        <p:txBody>
+          <a:bodyPr wrap="square" rtlCol="0">
+            <a:spAutoFit/>
+          </a:bodyPr>
+          <a:lstStyle/>
+          <a:p>
+            <a:r>
+              <a:rPr lang="fr-FR" dirty="0"/>
+              <a:t>Du jeudi 8/12/2016 au jeudi 15/12/2016</a:t>
+            </a:r>
+          </a:p>
+        </p:txBody>
+      </p:sp>
+      <p:sp>
+        <p:nvSpPr>
+          <p:cNvPr id="11" name="ZoneTexte 10"/>
+          <p:cNvSpPr txBox="1"/>
+          <p:nvPr/>
+        </p:nvSpPr>
+        <p:spPr>
+          <a:xfrm>
+            <a:off x="11110649" y="6503847"/>
+            <a:ext cx="401072" cy="276999"/>
+          </a:xfrm>
+          <a:prstGeom prst="rect">
+            <a:avLst/>
+          </a:prstGeom>
+          <a:noFill/>
+        </p:spPr>
+        <p:txBody>
+          <a:bodyPr wrap="none" rtlCol="0">
+            <a:spAutoFit/>
+          </a:bodyPr>
+          <a:lstStyle/>
+          <a:p>
+            <a:r>
+              <a:rPr lang="fr-FR" sz="1200" dirty="0">
+                <a:solidFill>
+                  <a:schemeClr val="bg1"/>
+                </a:solidFill>
+              </a:rPr>
+              <a:t>/12</a:t>
+            </a:r>
+          </a:p>
+        </p:txBody>
+      </p:sp>
     </p:spTree>
     <p:extLst>
       <p:ext uri="{BB962C8B-B14F-4D97-AF65-F5344CB8AC3E}">
         <p14:creationId xmlns:p14="http://schemas.microsoft.com/office/powerpoint/2010/main" val="3455867963"/>
+      </p:ext>
+    </p:extLst>
+  </p:cSld>
+  <p:clrMapOvr>
+    <a:masterClrMapping/>
+  </p:clrMapOvr>
+</p:sld>
+</file>
+
+<file path=ppt/slides/slide10.xml><?xml version="1.0" encoding="utf-8"?>
+<p:sld xmlns:a="http://schemas.openxmlformats.org/drawingml/2006/main" xmlns:r="http://schemas.openxmlformats.org/officeDocument/2006/relationships" xmlns:p="http://schemas.openxmlformats.org/presentationml/2006/main">
+  <p:cSld>
+    <p:spTree>
+      <p:nvGrpSpPr>
+        <p:cNvPr id="1" name=""/>
+        <p:cNvGrpSpPr/>
+        <p:nvPr/>
+      </p:nvGrpSpPr>
+      <p:grpSpPr>
+        <a:xfrm>
+          <a:off x="0" y="0"/>
+          <a:ext cx="0" cy="0"/>
+          <a:chOff x="0" y="0"/>
+          <a:chExt cx="0" cy="0"/>
+        </a:xfrm>
+      </p:grpSpPr>
+      <p:sp>
+        <p:nvSpPr>
+          <p:cNvPr id="3" name="Espace réservé du contenu 2"/>
+          <p:cNvSpPr>
+            <a:spLocks noGrp="1"/>
+          </p:cNvSpPr>
+          <p:nvPr>
+            <p:ph idx="1"/>
+          </p:nvPr>
+        </p:nvSpPr>
+        <p:spPr>
+          <a:xfrm>
+            <a:off x="1075763" y="2120153"/>
+            <a:ext cx="10192871" cy="3653117"/>
+          </a:xfrm>
+        </p:spPr>
+        <p:txBody>
+          <a:bodyPr>
+            <a:normAutofit fontScale="85000" lnSpcReduction="20000"/>
+          </a:bodyPr>
+          <a:lstStyle/>
+          <a:p>
+            <a:pPr marL="0" indent="0">
+              <a:lnSpc>
+                <a:spcPct val="50000"/>
+              </a:lnSpc>
+              <a:buNone/>
+            </a:pPr>
+            <a:endParaRPr lang="fr-FR" sz="2800" dirty="0"/>
+          </a:p>
+          <a:p>
+            <a:pPr>
+              <a:lnSpc>
+                <a:spcPct val="50000"/>
+              </a:lnSpc>
+              <a:buFont typeface="Wingdings" panose="05000000000000000000" pitchFamily="2" charset="2"/>
+              <a:buChar char="Ø"/>
+            </a:pPr>
+            <a:r>
+              <a:rPr lang="fr-FR" sz="2800" dirty="0"/>
+              <a:t>Difficulté à centrer l’image PBM</a:t>
+            </a:r>
+          </a:p>
+          <a:p>
+            <a:pPr marL="0" indent="0">
+              <a:lnSpc>
+                <a:spcPct val="50000"/>
+              </a:lnSpc>
+              <a:buNone/>
+            </a:pPr>
+            <a:endParaRPr lang="fr-FR" sz="2800" dirty="0"/>
+          </a:p>
+          <a:p>
+            <a:pPr>
+              <a:lnSpc>
+                <a:spcPct val="50000"/>
+              </a:lnSpc>
+              <a:buFont typeface="Wingdings" panose="05000000000000000000" pitchFamily="2" charset="2"/>
+              <a:buChar char="Ø"/>
+            </a:pPr>
+            <a:r>
+              <a:rPr lang="fr-FR" sz="2800" dirty="0"/>
+              <a:t> Difficultés à afficher horizontalement l’heure</a:t>
+            </a:r>
+          </a:p>
+          <a:p>
+            <a:pPr>
+              <a:lnSpc>
+                <a:spcPct val="50000"/>
+              </a:lnSpc>
+              <a:buFont typeface="Wingdings" panose="05000000000000000000" pitchFamily="2" charset="2"/>
+              <a:buChar char="Ø"/>
+            </a:pPr>
+            <a:endParaRPr lang="fr-FR" sz="2800" dirty="0"/>
+          </a:p>
+          <a:p>
+            <a:pPr marL="0" indent="0">
+              <a:lnSpc>
+                <a:spcPct val="50000"/>
+              </a:lnSpc>
+              <a:buNone/>
+            </a:pPr>
+            <a:endParaRPr lang="fr-FR" sz="2800" dirty="0"/>
+          </a:p>
+          <a:p>
+            <a:pPr>
+              <a:lnSpc>
+                <a:spcPct val="50000"/>
+              </a:lnSpc>
+              <a:buFont typeface="Wingdings" panose="05000000000000000000" pitchFamily="2" charset="2"/>
+              <a:buChar char="Ø"/>
+            </a:pPr>
+            <a:r>
+              <a:rPr lang="fr-FR" sz="2800" dirty="0"/>
+              <a:t>Améliore l’utilisation de Linux</a:t>
+            </a:r>
+          </a:p>
+          <a:p>
+            <a:pPr>
+              <a:lnSpc>
+                <a:spcPct val="50000"/>
+              </a:lnSpc>
+              <a:buFont typeface="Wingdings" panose="05000000000000000000" pitchFamily="2" charset="2"/>
+              <a:buChar char="Ø"/>
+            </a:pPr>
+            <a:endParaRPr lang="fr-FR" sz="2800" dirty="0"/>
+          </a:p>
+          <a:p>
+            <a:pPr>
+              <a:lnSpc>
+                <a:spcPct val="50000"/>
+              </a:lnSpc>
+              <a:buFont typeface="Wingdings" panose="05000000000000000000" pitchFamily="2" charset="2"/>
+              <a:buChar char="Ø"/>
+            </a:pPr>
+            <a:r>
+              <a:rPr lang="fr-FR" sz="2800" dirty="0"/>
+              <a:t>Bon esprit d’équipe</a:t>
+            </a:r>
+          </a:p>
+          <a:p>
+            <a:pPr marL="0" indent="0">
+              <a:lnSpc>
+                <a:spcPct val="50000"/>
+              </a:lnSpc>
+              <a:buNone/>
+            </a:pPr>
+            <a:endParaRPr lang="fr-FR" sz="2800" dirty="0"/>
+          </a:p>
+          <a:p>
+            <a:pPr>
+              <a:lnSpc>
+                <a:spcPct val="50000"/>
+              </a:lnSpc>
+              <a:buFont typeface="Wingdings" panose="05000000000000000000" pitchFamily="2" charset="2"/>
+              <a:buChar char="Ø"/>
+            </a:pPr>
+            <a:r>
+              <a:rPr lang="fr-FR" sz="2800" dirty="0"/>
+              <a:t>Améliore beaucoup les connaissance en C (tableau à deux </a:t>
+            </a:r>
+          </a:p>
+          <a:p>
+            <a:pPr marL="0" indent="0">
+              <a:lnSpc>
+                <a:spcPct val="50000"/>
+              </a:lnSpc>
+              <a:buNone/>
+            </a:pPr>
+            <a:r>
+              <a:rPr lang="fr-FR" sz="2800" dirty="0"/>
+              <a:t>Dimensions, utilisation des fichiers en c, découverte des fichiers PBM)</a:t>
+            </a:r>
+          </a:p>
+          <a:p>
+            <a:pPr marL="0" indent="0">
+              <a:lnSpc>
+                <a:spcPct val="50000"/>
+              </a:lnSpc>
+              <a:buNone/>
+            </a:pPr>
+            <a:endParaRPr lang="fr-FR" sz="2800" dirty="0"/>
+          </a:p>
+          <a:p>
+            <a:pPr>
+              <a:lnSpc>
+                <a:spcPct val="50000"/>
+              </a:lnSpc>
+              <a:buFont typeface="Wingdings" panose="05000000000000000000" pitchFamily="2" charset="2"/>
+              <a:buChar char="Ø"/>
+            </a:pPr>
+            <a:endParaRPr lang="fr-FR" sz="2800" dirty="0"/>
+          </a:p>
+        </p:txBody>
+      </p:sp>
+      <p:pic>
+        <p:nvPicPr>
+          <p:cNvPr id="5" name="Image 4"/>
+          <p:cNvPicPr>
+            <a:picLocks noChangeAspect="1"/>
+          </p:cNvPicPr>
+          <p:nvPr/>
+        </p:nvPicPr>
+        <p:blipFill>
+          <a:blip r:embed="rId2">
+            <a:extLst>
+              <a:ext uri="{28A0092B-C50C-407E-A947-70E740481C1C}">
+                <a14:useLocalDpi xmlns:a14="http://schemas.microsoft.com/office/drawing/2010/main" val="0"/>
+              </a:ext>
+            </a:extLst>
+          </a:blip>
+          <a:stretch>
+            <a:fillRect/>
+          </a:stretch>
+        </p:blipFill>
+        <p:spPr>
+          <a:xfrm>
+            <a:off x="393747" y="6032290"/>
+            <a:ext cx="1003225" cy="650366"/>
+          </a:xfrm>
+          <a:prstGeom prst="rect">
+            <a:avLst/>
+          </a:prstGeom>
+        </p:spPr>
+      </p:pic>
+      <p:sp>
+        <p:nvSpPr>
+          <p:cNvPr id="7" name="Titre 1"/>
+          <p:cNvSpPr>
+            <a:spLocks noGrp="1"/>
+          </p:cNvSpPr>
+          <p:nvPr>
+            <p:ph type="title"/>
+          </p:nvPr>
+        </p:nvSpPr>
+        <p:spPr>
+          <a:xfrm>
+            <a:off x="989900" y="234892"/>
+            <a:ext cx="10058400" cy="705514"/>
+          </a:xfrm>
+        </p:spPr>
+        <p:txBody>
+          <a:bodyPr>
+            <a:normAutofit fontScale="90000"/>
+          </a:bodyPr>
+          <a:lstStyle/>
+          <a:p>
+            <a:pPr algn="ctr"/>
+            <a:r>
+              <a:rPr lang="fr-FR" dirty="0"/>
+              <a:t>5.	Bilan</a:t>
+            </a:r>
+          </a:p>
+        </p:txBody>
+      </p:sp>
+      <p:sp>
+        <p:nvSpPr>
+          <p:cNvPr id="2" name="Espace réservé du numéro de diapositive 1"/>
+          <p:cNvSpPr>
+            <a:spLocks noGrp="1"/>
+          </p:cNvSpPr>
+          <p:nvPr>
+            <p:ph type="sldNum" sz="quarter" idx="12"/>
+          </p:nvPr>
+        </p:nvSpPr>
+        <p:spPr/>
+        <p:txBody>
+          <a:bodyPr/>
+          <a:lstStyle/>
+          <a:p>
+            <a:fld id="{BF8E8462-BA2D-465E-BD05-275D1A2EFDC9}" type="slidenum">
+              <a:rPr lang="fr-FR" smtClean="0"/>
+              <a:t>10</a:t>
+            </a:fld>
+            <a:endParaRPr lang="fr-FR"/>
+          </a:p>
+        </p:txBody>
+      </p:sp>
+      <p:sp>
+        <p:nvSpPr>
+          <p:cNvPr id="8" name="ZoneTexte 7"/>
+          <p:cNvSpPr txBox="1"/>
+          <p:nvPr/>
+        </p:nvSpPr>
+        <p:spPr>
+          <a:xfrm>
+            <a:off x="11110649" y="6503847"/>
+            <a:ext cx="401072" cy="276999"/>
+          </a:xfrm>
+          <a:prstGeom prst="rect">
+            <a:avLst/>
+          </a:prstGeom>
+          <a:noFill/>
+        </p:spPr>
+        <p:txBody>
+          <a:bodyPr wrap="none" rtlCol="0">
+            <a:spAutoFit/>
+          </a:bodyPr>
+          <a:lstStyle/>
+          <a:p>
+            <a:r>
+              <a:rPr lang="fr-FR" sz="1200" dirty="0">
+                <a:solidFill>
+                  <a:schemeClr val="bg1"/>
+                </a:solidFill>
+              </a:rPr>
+              <a:t>/12</a:t>
+            </a:r>
+          </a:p>
+        </p:txBody>
+      </p:sp>
+    </p:spTree>
+    <p:extLst>
+      <p:ext uri="{BB962C8B-B14F-4D97-AF65-F5344CB8AC3E}">
+        <p14:creationId xmlns:p14="http://schemas.microsoft.com/office/powerpoint/2010/main" val="3138265177"/>
+      </p:ext>
+    </p:extLst>
+  </p:cSld>
+  <p:clrMapOvr>
+    <a:masterClrMapping/>
+  </p:clrMapOvr>
+</p:sld>
+</file>
+
+<file path=ppt/slides/slide11.xml><?xml version="1.0" encoding="utf-8"?>
+<p:sld xmlns:a="http://schemas.openxmlformats.org/drawingml/2006/main" xmlns:r="http://schemas.openxmlformats.org/officeDocument/2006/relationships" xmlns:p="http://schemas.openxmlformats.org/presentationml/2006/main">
+  <p:cSld>
+    <p:spTree>
+      <p:nvGrpSpPr>
+        <p:cNvPr id="1" name=""/>
+        <p:cNvGrpSpPr/>
+        <p:nvPr/>
+      </p:nvGrpSpPr>
+      <p:grpSpPr>
+        <a:xfrm>
+          <a:off x="0" y="0"/>
+          <a:ext cx="0" cy="0"/>
+          <a:chOff x="0" y="0"/>
+          <a:chExt cx="0" cy="0"/>
+        </a:xfrm>
+      </p:grpSpPr>
+      <p:sp>
+        <p:nvSpPr>
+          <p:cNvPr id="2" name="Titre 1"/>
+          <p:cNvSpPr>
+            <a:spLocks noGrp="1"/>
+          </p:cNvSpPr>
+          <p:nvPr>
+            <p:ph type="title"/>
+          </p:nvPr>
+        </p:nvSpPr>
+        <p:spPr/>
+        <p:txBody>
+          <a:bodyPr/>
+          <a:lstStyle/>
+          <a:p>
+            <a:pPr algn="ctr"/>
+            <a:r>
+              <a:rPr lang="fr-FR" dirty="0"/>
+              <a:t> Perspectives d’évolution</a:t>
+            </a:r>
+          </a:p>
+        </p:txBody>
+      </p:sp>
+      <p:sp>
+        <p:nvSpPr>
+          <p:cNvPr id="3" name="Espace réservé du contenu 2"/>
+          <p:cNvSpPr>
+            <a:spLocks noGrp="1"/>
+          </p:cNvSpPr>
+          <p:nvPr>
+            <p:ph idx="1"/>
+          </p:nvPr>
+        </p:nvSpPr>
+        <p:spPr/>
+        <p:txBody>
+          <a:bodyPr/>
+          <a:lstStyle/>
+          <a:p>
+            <a:pPr lvl="1"/>
+            <a:endParaRPr lang="fr-FR" dirty="0"/>
+          </a:p>
+          <a:p>
+            <a:pPr lvl="1"/>
+            <a:endParaRPr lang="fr-FR" dirty="0"/>
+          </a:p>
+          <a:p>
+            <a:pPr lvl="1"/>
+            <a:endParaRPr lang="fr-FR" dirty="0"/>
+          </a:p>
+          <a:p>
+            <a:pPr lvl="1"/>
+            <a:r>
+              <a:rPr lang="fr-FR" dirty="0"/>
+              <a:t>Rajout d’un troisième mode</a:t>
+            </a:r>
+          </a:p>
+          <a:p>
+            <a:pPr lvl="1"/>
+            <a:endParaRPr lang="fr-FR" dirty="0"/>
+          </a:p>
+          <a:p>
+            <a:pPr lvl="1"/>
+            <a:r>
+              <a:rPr lang="fr-FR" dirty="0"/>
+              <a:t>Pouvoir créer ses propres images depuis la console</a:t>
+            </a:r>
+          </a:p>
+          <a:p>
+            <a:pPr lvl="1"/>
+            <a:endParaRPr lang="fr-FR" dirty="0"/>
+          </a:p>
+          <a:p>
+            <a:pPr lvl="1"/>
+            <a:r>
+              <a:rPr lang="fr-FR" dirty="0"/>
+              <a:t>Compatibilité avec différentes tailles de console (80x80, 124x24, …)</a:t>
+            </a:r>
+          </a:p>
+        </p:txBody>
+      </p:sp>
+      <p:sp>
+        <p:nvSpPr>
+          <p:cNvPr id="4" name="Espace réservé du numéro de diapositive 3"/>
+          <p:cNvSpPr>
+            <a:spLocks noGrp="1"/>
+          </p:cNvSpPr>
+          <p:nvPr>
+            <p:ph type="sldNum" sz="quarter" idx="12"/>
+          </p:nvPr>
+        </p:nvSpPr>
+        <p:spPr/>
+        <p:txBody>
+          <a:bodyPr/>
+          <a:lstStyle/>
+          <a:p>
+            <a:fld id="{BF8E8462-BA2D-465E-BD05-275D1A2EFDC9}" type="slidenum">
+              <a:rPr lang="fr-FR" smtClean="0"/>
+              <a:t>11</a:t>
+            </a:fld>
+            <a:endParaRPr lang="fr-FR"/>
+          </a:p>
+        </p:txBody>
+      </p:sp>
+      <p:sp>
+        <p:nvSpPr>
+          <p:cNvPr id="6" name="ZoneTexte 5"/>
+          <p:cNvSpPr txBox="1"/>
+          <p:nvPr/>
+        </p:nvSpPr>
+        <p:spPr>
+          <a:xfrm>
+            <a:off x="11110649" y="6503847"/>
+            <a:ext cx="401072" cy="276999"/>
+          </a:xfrm>
+          <a:prstGeom prst="rect">
+            <a:avLst/>
+          </a:prstGeom>
+          <a:noFill/>
+        </p:spPr>
+        <p:txBody>
+          <a:bodyPr wrap="none" rtlCol="0">
+            <a:spAutoFit/>
+          </a:bodyPr>
+          <a:lstStyle/>
+          <a:p>
+            <a:r>
+              <a:rPr lang="fr-FR" sz="1200" dirty="0">
+                <a:solidFill>
+                  <a:schemeClr val="bg1"/>
+                </a:solidFill>
+              </a:rPr>
+              <a:t>/12</a:t>
+            </a:r>
+          </a:p>
+        </p:txBody>
+      </p:sp>
+    </p:spTree>
+    <p:extLst>
+      <p:ext uri="{BB962C8B-B14F-4D97-AF65-F5344CB8AC3E}">
+        <p14:creationId xmlns:p14="http://schemas.microsoft.com/office/powerpoint/2010/main" val="769013885"/>
+      </p:ext>
+    </p:extLst>
+  </p:cSld>
+  <p:clrMapOvr>
+    <a:masterClrMapping/>
+  </p:clrMapOvr>
+</p:sld>
+</file>
+
+<file path=ppt/slides/slide12.xml><?xml version="1.0" encoding="utf-8"?>
+<p:sld xmlns:a="http://schemas.openxmlformats.org/drawingml/2006/main" xmlns:r="http://schemas.openxmlformats.org/officeDocument/2006/relationships" xmlns:p="http://schemas.openxmlformats.org/presentationml/2006/main">
+  <p:cSld>
+    <p:spTree>
+      <p:nvGrpSpPr>
+        <p:cNvPr id="1" name=""/>
+        <p:cNvGrpSpPr/>
+        <p:nvPr/>
+      </p:nvGrpSpPr>
+      <p:grpSpPr>
+        <a:xfrm>
+          <a:off x="0" y="0"/>
+          <a:ext cx="0" cy="0"/>
+          <a:chOff x="0" y="0"/>
+          <a:chExt cx="0" cy="0"/>
+        </a:xfrm>
+      </p:grpSpPr>
+      <p:sp>
+        <p:nvSpPr>
+          <p:cNvPr id="2" name="Titre 1"/>
+          <p:cNvSpPr>
+            <a:spLocks noGrp="1"/>
+          </p:cNvSpPr>
+          <p:nvPr>
+            <p:ph type="title"/>
+          </p:nvPr>
+        </p:nvSpPr>
+        <p:spPr>
+          <a:xfrm>
+            <a:off x="1191409" y="2814650"/>
+            <a:ext cx="10058400" cy="1450757"/>
+          </a:xfrm>
+        </p:spPr>
+        <p:txBody>
+          <a:bodyPr/>
+          <a:lstStyle/>
+          <a:p>
+            <a:pPr algn="ctr"/>
+            <a:r>
+              <a:rPr lang="fr-FR" dirty="0"/>
+              <a:t>Avez – vous des questions ?</a:t>
+            </a:r>
+          </a:p>
+        </p:txBody>
+      </p:sp>
+      <p:sp>
+        <p:nvSpPr>
+          <p:cNvPr id="4" name="Espace réservé du numéro de diapositive 3"/>
+          <p:cNvSpPr>
+            <a:spLocks noGrp="1"/>
+          </p:cNvSpPr>
+          <p:nvPr>
+            <p:ph type="sldNum" sz="quarter" idx="12"/>
+          </p:nvPr>
+        </p:nvSpPr>
+        <p:spPr/>
+        <p:txBody>
+          <a:bodyPr/>
+          <a:lstStyle/>
+          <a:p>
+            <a:fld id="{BF8E8462-BA2D-465E-BD05-275D1A2EFDC9}" type="slidenum">
+              <a:rPr lang="fr-FR" smtClean="0"/>
+              <a:t>12</a:t>
+            </a:fld>
+            <a:endParaRPr lang="fr-FR"/>
+          </a:p>
+        </p:txBody>
+      </p:sp>
+      <p:pic>
+        <p:nvPicPr>
+          <p:cNvPr id="5" name="Image 4"/>
+          <p:cNvPicPr>
+            <a:picLocks noChangeAspect="1"/>
+          </p:cNvPicPr>
+          <p:nvPr/>
+        </p:nvPicPr>
+        <p:blipFill>
+          <a:blip r:embed="rId2">
+            <a:extLst>
+              <a:ext uri="{28A0092B-C50C-407E-A947-70E740481C1C}">
+                <a14:useLocalDpi xmlns:a14="http://schemas.microsoft.com/office/drawing/2010/main" val="0"/>
+              </a:ext>
+            </a:extLst>
+          </a:blip>
+          <a:stretch>
+            <a:fillRect/>
+          </a:stretch>
+        </p:blipFill>
+        <p:spPr>
+          <a:xfrm>
+            <a:off x="348923" y="5949376"/>
+            <a:ext cx="1003225" cy="650366"/>
+          </a:xfrm>
+          <a:prstGeom prst="rect">
+            <a:avLst/>
+          </a:prstGeom>
+        </p:spPr>
+      </p:pic>
+      <p:sp>
+        <p:nvSpPr>
+          <p:cNvPr id="6" name="ZoneTexte 5"/>
+          <p:cNvSpPr txBox="1"/>
+          <p:nvPr/>
+        </p:nvSpPr>
+        <p:spPr>
+          <a:xfrm>
+            <a:off x="11110649" y="6503847"/>
+            <a:ext cx="401072" cy="276999"/>
+          </a:xfrm>
+          <a:prstGeom prst="rect">
+            <a:avLst/>
+          </a:prstGeom>
+          <a:noFill/>
+        </p:spPr>
+        <p:txBody>
+          <a:bodyPr wrap="none" rtlCol="0">
+            <a:spAutoFit/>
+          </a:bodyPr>
+          <a:lstStyle/>
+          <a:p>
+            <a:r>
+              <a:rPr lang="fr-FR" sz="1200" dirty="0">
+                <a:solidFill>
+                  <a:schemeClr val="bg1"/>
+                </a:solidFill>
+              </a:rPr>
+              <a:t>/12</a:t>
+            </a:r>
+          </a:p>
+        </p:txBody>
+      </p:sp>
+    </p:spTree>
+    <p:extLst>
+      <p:ext uri="{BB962C8B-B14F-4D97-AF65-F5344CB8AC3E}">
+        <p14:creationId xmlns:p14="http://schemas.microsoft.com/office/powerpoint/2010/main" val="1366501062"/>
       </p:ext>
     </p:extLst>
   </p:cSld>
@@ -4436,7 +5119,7 @@
         </p:spPr>
         <p:txBody>
           <a:bodyPr>
-            <a:normAutofit/>
+            <a:normAutofit fontScale="92500"/>
           </a:bodyPr>
           <a:lstStyle/>
           <a:p>
@@ -4448,18 +5131,9 @@
               <a:buAutoNum type="arabicPeriod"/>
             </a:pPr>
             <a:r>
-              <a:rPr lang="fr-FR" sz="2400" dirty="0" err="1"/>
-              <a:t>Launcher</a:t>
-            </a:r>
-            <a:r>
               <a:rPr lang="fr-FR" sz="2400" dirty="0"/>
-              <a:t> </a:t>
-            </a:r>
-            <a:r>
-              <a:rPr lang="fr-FR" sz="2400" dirty="0" err="1"/>
-              <a:t>eXiaSaver</a:t>
-            </a:r>
-            <a:endParaRPr lang="fr-FR" sz="2400" dirty="0"/>
+              <a:t>Contexte du projet</a:t>
+            </a:r>
           </a:p>
           <a:p>
             <a:pPr marL="457200" indent="-457200">
@@ -4471,12 +5145,17 @@
             </a:pPr>
             <a:r>
               <a:rPr lang="fr-FR" sz="2400" dirty="0" err="1"/>
-              <a:t>TermSaver</a:t>
+              <a:t>Launcher</a:t>
             </a:r>
             <a:r>
               <a:rPr lang="fr-FR" sz="2400" dirty="0"/>
-              <a:t> statique</a:t>
-            </a:r>
+              <a:t> </a:t>
+            </a:r>
+            <a:r>
+              <a:rPr lang="fr-FR" sz="2400" dirty="0" err="1"/>
+              <a:t>eXiaSaver</a:t>
+            </a:r>
+            <a:endParaRPr lang="fr-FR" sz="2400" dirty="0"/>
           </a:p>
           <a:p>
             <a:pPr marL="457200" indent="-457200">
@@ -4492,7 +5171,7 @@
             </a:r>
             <a:r>
               <a:rPr lang="fr-FR" sz="2400" dirty="0"/>
-              <a:t> dynamique</a:t>
+              <a:t> statique</a:t>
             </a:r>
           </a:p>
           <a:p>
@@ -4504,14 +5183,13 @@
               <a:buAutoNum type="arabicPeriod"/>
             </a:pPr>
             <a:r>
+              <a:rPr lang="fr-FR" sz="2400" dirty="0" err="1"/>
+              <a:t>TermSaver</a:t>
+            </a:r>
+            <a:r>
               <a:rPr lang="fr-FR" sz="2400" dirty="0"/>
-              <a:t>Présentation d’</a:t>
-            </a:r>
-            <a:r>
-              <a:rPr lang="fr-FR" sz="2400" dirty="0" err="1"/>
-              <a:t>eXiaSaver</a:t>
-            </a:r>
-            <a:endParaRPr lang="fr-FR" sz="2400" dirty="0"/>
+              <a:t> dynamique</a:t>
+            </a:r>
           </a:p>
           <a:p>
             <a:pPr marL="457200" indent="-457200">
@@ -4523,14 +5201,55 @@
             </a:pPr>
             <a:r>
               <a:rPr lang="fr-FR" sz="2400" dirty="0"/>
+              <a:t>Démonstration d’</a:t>
+            </a:r>
+            <a:r>
+              <a:rPr lang="fr-FR" sz="2400" dirty="0" err="1"/>
+              <a:t>eXiaSaver</a:t>
+            </a:r>
+            <a:endParaRPr lang="fr-FR" sz="2400" dirty="0"/>
+          </a:p>
+          <a:p>
+            <a:pPr marL="457200" indent="-457200">
+              <a:lnSpc>
+                <a:spcPct val="150000"/>
+              </a:lnSpc>
+              <a:buFont typeface="+mj-lt"/>
+              <a:buAutoNum type="arabicPeriod"/>
+            </a:pPr>
+            <a:r>
+              <a:rPr lang="fr-FR" sz="2400" dirty="0"/>
               <a:t>Bilan du projet</a:t>
             </a:r>
+          </a:p>
+        </p:txBody>
+      </p:sp>
+      <p:sp>
+        <p:nvSpPr>
+          <p:cNvPr id="4" name="Espace réservé du numéro de diapositive 3"/>
+          <p:cNvSpPr>
+            <a:spLocks noGrp="1"/>
+          </p:cNvSpPr>
+          <p:nvPr>
+            <p:ph type="sldNum" sz="quarter" idx="12"/>
+          </p:nvPr>
+        </p:nvSpPr>
+        <p:spPr/>
+        <p:txBody>
+          <a:bodyPr/>
+          <a:lstStyle/>
+          <a:p>
+            <a:fld id="{BF8E8462-BA2D-465E-BD05-275D1A2EFDC9}" type="slidenum">
+              <a:rPr lang="fr-FR" smtClean="0"/>
+              <a:t>2</a:t>
+            </a:fld>
+            <a:endParaRPr lang="fr-FR"/>
           </a:p>
         </p:txBody>
       </p:sp>
       <p:pic>
         <p:nvPicPr>
-          <p:cNvPr id="5" name="Image 4"/>
+          <p:cNvPr id="6" name="Image 5"/>
           <p:cNvPicPr>
             <a:picLocks noChangeAspect="1"/>
           </p:cNvPicPr>
@@ -4550,7 +5269,7 @@
         </p:blipFill>
         <p:spPr>
           <a:xfrm>
-            <a:off x="11048300" y="6074882"/>
+            <a:off x="348923" y="5949376"/>
             <a:ext cx="1003225" cy="650366"/>
           </a:xfrm>
           <a:prstGeom prst="rect">
@@ -4558,6 +5277,39 @@
           </a:prstGeom>
         </p:spPr>
       </p:pic>
+      <p:sp>
+        <p:nvSpPr>
+          <p:cNvPr id="8" name="ZoneTexte 7"/>
+          <p:cNvSpPr txBox="1"/>
+          <p:nvPr/>
+        </p:nvSpPr>
+        <p:spPr>
+          <a:xfrm>
+            <a:off x="11110649" y="6503847"/>
+            <a:ext cx="401072" cy="276999"/>
+          </a:xfrm>
+          <a:prstGeom prst="rect">
+            <a:avLst/>
+          </a:prstGeom>
+          <a:noFill/>
+        </p:spPr>
+        <p:txBody>
+          <a:bodyPr wrap="none" rtlCol="0">
+            <a:spAutoFit/>
+          </a:bodyPr>
+          <a:lstStyle/>
+          <a:p>
+            <a:r>
+              <a:rPr lang="fr-FR" sz="1200" dirty="0">
+                <a:solidFill>
+                  <a:schemeClr val="bg1"/>
+                </a:solidFill>
+              </a:rPr>
+              <a:t>/12</a:t>
+            </a:r>
+          </a:p>
+        </p:txBody>
+      </p:sp>
     </p:spTree>
     <p:extLst>
       <p:ext uri="{BB962C8B-B14F-4D97-AF65-F5344CB8AC3E}">
@@ -4600,40 +5352,106 @@
         </p:nvSpPr>
         <p:spPr>
           <a:xfrm>
-            <a:off x="989900" y="234892"/>
-            <a:ext cx="10058400" cy="705514"/>
-          </a:xfrm>
-        </p:spPr>
-        <p:txBody>
-          <a:bodyPr>
-            <a:normAutofit fontScale="90000"/>
-          </a:bodyPr>
+            <a:off x="982980" y="-370542"/>
+            <a:ext cx="10058400" cy="1450757"/>
+          </a:xfrm>
+        </p:spPr>
+        <p:txBody>
+          <a:bodyPr/>
           <a:lstStyle/>
           <a:p>
             <a:pPr algn="ctr"/>
             <a:r>
               <a:rPr lang="fr-FR" dirty="0"/>
-              <a:t>1.	</a:t>
-            </a:r>
-            <a:r>
-              <a:rPr lang="fr-FR" dirty="0" err="1"/>
-              <a:t>Launcher</a:t>
-            </a:r>
+              <a:t>1.	Contexte du projet</a:t>
+            </a:r>
+          </a:p>
+        </p:txBody>
+      </p:sp>
+      <p:sp>
+        <p:nvSpPr>
+          <p:cNvPr id="3" name="Espace réservé du contenu 2"/>
+          <p:cNvSpPr>
+            <a:spLocks noGrp="1"/>
+          </p:cNvSpPr>
+          <p:nvPr>
+            <p:ph idx="1"/>
+          </p:nvPr>
+        </p:nvSpPr>
+        <p:spPr/>
+        <p:txBody>
+          <a:bodyPr/>
+          <a:lstStyle/>
+          <a:p>
             <a:r>
               <a:rPr lang="fr-FR" dirty="0"/>
-              <a:t> </a:t>
-            </a:r>
-            <a:r>
-              <a:rPr lang="fr-FR" dirty="0" err="1"/>
-              <a:t>eXiaSaver</a:t>
-            </a:r>
+              <a:t>Générateur d’écran de veille pour terminal</a:t>
+            </a:r>
+          </a:p>
+          <a:p>
             <a:endParaRPr lang="fr-FR" dirty="0"/>
+          </a:p>
+          <a:p>
+            <a:r>
+              <a:rPr lang="fr-FR" dirty="0"/>
+              <a:t>Développer en C sous Linux</a:t>
+            </a:r>
+          </a:p>
+          <a:p>
+            <a:endParaRPr lang="fr-FR" dirty="0"/>
+          </a:p>
+          <a:p>
+            <a:r>
+              <a:rPr lang="fr-FR" dirty="0"/>
+              <a:t>2 types d’écran de veille lancés aléatoirement</a:t>
+            </a:r>
+          </a:p>
+          <a:p>
+            <a:endParaRPr lang="fr-FR" dirty="0"/>
+          </a:p>
+          <a:p>
+            <a:r>
+              <a:rPr lang="fr-FR" dirty="0"/>
+              <a:t>Type statique et type dynamique</a:t>
+            </a:r>
+          </a:p>
+          <a:p>
+            <a:endParaRPr lang="fr-FR" dirty="0"/>
+          </a:p>
+          <a:p>
+            <a:r>
+              <a:rPr lang="fr-FR" dirty="0"/>
+              <a:t>Accès à un historique</a:t>
+            </a:r>
+          </a:p>
+        </p:txBody>
+      </p:sp>
+      <p:sp>
+        <p:nvSpPr>
+          <p:cNvPr id="4" name="Espace réservé du numéro de diapositive 3"/>
+          <p:cNvSpPr>
+            <a:spLocks noGrp="1"/>
+          </p:cNvSpPr>
+          <p:nvPr>
+            <p:ph type="sldNum" sz="quarter" idx="12"/>
+          </p:nvPr>
+        </p:nvSpPr>
+        <p:spPr/>
+        <p:txBody>
+          <a:bodyPr/>
+          <a:lstStyle/>
+          <a:p>
+            <a:fld id="{BF8E8462-BA2D-465E-BD05-275D1A2EFDC9}" type="slidenum">
+              <a:rPr lang="fr-FR" smtClean="0"/>
+              <a:t>3</a:t>
+            </a:fld>
+            <a:endParaRPr lang="fr-FR"/>
           </a:p>
         </p:txBody>
       </p:sp>
       <p:pic>
         <p:nvPicPr>
-          <p:cNvPr id="6" name="Image 5"/>
+          <p:cNvPr id="5" name="Image 4"/>
           <p:cNvPicPr>
             <a:picLocks noChangeAspect="1"/>
           </p:cNvPicPr>
@@ -4653,7 +5471,7 @@
         </p:blipFill>
         <p:spPr>
           <a:xfrm>
-            <a:off x="11048300" y="6074882"/>
+            <a:off x="348923" y="5949376"/>
             <a:ext cx="1003225" cy="650366"/>
           </a:xfrm>
           <a:prstGeom prst="rect">
@@ -4663,35 +5481,41 @@
       </p:pic>
       <p:sp>
         <p:nvSpPr>
-          <p:cNvPr id="9" name="Espace réservé du contenu 8"/>
-          <p:cNvSpPr>
-            <a:spLocks noGrp="1"/>
-          </p:cNvSpPr>
-          <p:nvPr>
-            <p:ph idx="1"/>
-          </p:nvPr>
-        </p:nvSpPr>
-        <p:spPr>
-          <a:xfrm>
-            <a:off x="1114995" y="1865445"/>
-            <a:ext cx="10058400" cy="4023360"/>
-          </a:xfrm>
-        </p:spPr>
-        <p:txBody>
-          <a:bodyPr/>
-          <a:lstStyle/>
-          <a:p>
-            <a:pPr marL="0" indent="0">
-              <a:buNone/>
-            </a:pPr>
-            <a:endParaRPr lang="fr-FR" dirty="0"/>
+          <p:cNvPr id="7" name="ZoneTexte 6"/>
+          <p:cNvSpPr txBox="1"/>
+          <p:nvPr/>
+        </p:nvSpPr>
+        <p:spPr>
+          <a:xfrm>
+            <a:off x="11110649" y="6503847"/>
+            <a:ext cx="401072" cy="276999"/>
+          </a:xfrm>
+          <a:prstGeom prst="rect">
+            <a:avLst/>
+          </a:prstGeom>
+          <a:noFill/>
+        </p:spPr>
+        <p:txBody>
+          <a:bodyPr wrap="none" rtlCol="0">
+            <a:spAutoFit/>
+          </a:bodyPr>
+          <a:lstStyle/>
+          <a:p>
+            <a:r>
+              <a:rPr lang="fr-FR" sz="1200" dirty="0">
+                <a:solidFill>
+                  <a:schemeClr val="bg1"/>
+                </a:solidFill>
+              </a:rPr>
+              <a:t>/12</a:t>
+            </a:r>
           </a:p>
         </p:txBody>
       </p:sp>
     </p:spTree>
     <p:extLst>
       <p:ext uri="{BB962C8B-B14F-4D97-AF65-F5344CB8AC3E}">
-        <p14:creationId xmlns:p14="http://schemas.microsoft.com/office/powerpoint/2010/main" val="1656380465"/>
+        <p14:creationId xmlns:p14="http://schemas.microsoft.com/office/powerpoint/2010/main" val="806003261"/>
       </p:ext>
     </p:extLst>
   </p:cSld>
@@ -4718,13 +5542,58 @@
           <a:chExt cx="0" cy="0"/>
         </a:xfrm>
       </p:grpSpPr>
+      <p:sp>
+        <p:nvSpPr>
+          <p:cNvPr id="2" name="Titre 1"/>
+          <p:cNvSpPr>
+            <a:spLocks noGrp="1"/>
+          </p:cNvSpPr>
+          <p:nvPr>
+            <p:ph type="title"/>
+          </p:nvPr>
+        </p:nvSpPr>
+        <p:spPr>
+          <a:xfrm>
+            <a:off x="989900" y="234892"/>
+            <a:ext cx="10058400" cy="705514"/>
+          </a:xfrm>
+        </p:spPr>
+        <p:txBody>
+          <a:bodyPr>
+            <a:normAutofit fontScale="90000"/>
+          </a:bodyPr>
+          <a:lstStyle/>
+          <a:p>
+            <a:pPr algn="ctr"/>
+            <a:r>
+              <a:rPr lang="fr-FR" dirty="0"/>
+              <a:t>1.	</a:t>
+            </a:r>
+            <a:r>
+              <a:rPr lang="fr-FR" dirty="0" err="1"/>
+              <a:t>Launcher</a:t>
+            </a:r>
+            <a:r>
+              <a:rPr lang="fr-FR" dirty="0"/>
+              <a:t> </a:t>
+            </a:r>
+            <a:r>
+              <a:rPr lang="fr-FR" dirty="0" err="1"/>
+              <a:t>eXiaSaver</a:t>
+            </a:r>
+            <a:endParaRPr lang="fr-FR" dirty="0"/>
+          </a:p>
+        </p:txBody>
+      </p:sp>
       <p:pic>
         <p:nvPicPr>
-          <p:cNvPr id="4" name="Image 3"/>
+          <p:cNvPr id="3" name="Espace réservé du contenu 2"/>
           <p:cNvPicPr>
-            <a:picLocks noChangeAspect="1"/>
+            <a:picLocks noGrp="1" noChangeAspect="1"/>
           </p:cNvPicPr>
-          <p:nvPr/>
+          <p:nvPr>
+            <p:ph idx="1"/>
+          </p:nvPr>
         </p:nvPicPr>
         <p:blipFill>
           <a:blip r:embed="rId2">
@@ -4740,55 +5609,14 @@
         </p:blipFill>
         <p:spPr>
           <a:xfrm>
-            <a:off x="11048300" y="6074882"/>
-            <a:ext cx="1003225" cy="650366"/>
-          </a:xfrm>
-          <a:prstGeom prst="rect">
-            <a:avLst/>
-          </a:prstGeom>
+            <a:off x="2573816" y="2576514"/>
+            <a:ext cx="7296153" cy="502932"/>
+          </a:xfrm>
         </p:spPr>
       </p:pic>
-      <p:sp>
-        <p:nvSpPr>
-          <p:cNvPr id="6" name="Titre 1"/>
-          <p:cNvSpPr>
-            <a:spLocks noGrp="1"/>
-          </p:cNvSpPr>
-          <p:nvPr>
-            <p:ph type="title"/>
-          </p:nvPr>
-        </p:nvSpPr>
-        <p:spPr>
-          <a:xfrm>
-            <a:off x="989900" y="234892"/>
-            <a:ext cx="10058400" cy="705514"/>
-          </a:xfrm>
-        </p:spPr>
-        <p:txBody>
-          <a:bodyPr>
-            <a:normAutofit fontScale="90000"/>
-          </a:bodyPr>
-          <a:lstStyle/>
-          <a:p>
-            <a:pPr algn="ctr"/>
-            <a:r>
-              <a:rPr lang="fr-FR" dirty="0"/>
-              <a:t>2.	</a:t>
-            </a:r>
-            <a:r>
-              <a:rPr lang="fr-FR" dirty="0" err="1"/>
-              <a:t>TermSaver</a:t>
-            </a:r>
-            <a:r>
-              <a:rPr lang="fr-FR" dirty="0"/>
-              <a:t> statique</a:t>
-            </a:r>
-          </a:p>
-        </p:txBody>
-      </p:sp>
       <p:pic>
         <p:nvPicPr>
-          <p:cNvPr id="2" name="Image 1"/>
+          <p:cNvPr id="4" name="Image 3"/>
           <p:cNvPicPr>
             <a:picLocks noChangeAspect="1"/>
           </p:cNvPicPr>
@@ -4808,18 +5636,104 @@
         </p:blipFill>
         <p:spPr>
           <a:xfrm>
-            <a:off x="2840896" y="1747778"/>
-            <a:ext cx="6606561" cy="4490976"/>
+            <a:off x="2360936" y="3715638"/>
+            <a:ext cx="7174852" cy="1493649"/>
           </a:xfrm>
           <a:prstGeom prst="rect">
             <a:avLst/>
           </a:prstGeom>
         </p:spPr>
       </p:pic>
+      <p:sp>
+        <p:nvSpPr>
+          <p:cNvPr id="5" name="Espace réservé du numéro de diapositive 4"/>
+          <p:cNvSpPr>
+            <a:spLocks noGrp="1"/>
+          </p:cNvSpPr>
+          <p:nvPr>
+            <p:ph type="sldNum" sz="quarter" idx="12"/>
+          </p:nvPr>
+        </p:nvSpPr>
+        <p:spPr/>
+        <p:txBody>
+          <a:bodyPr/>
+          <a:lstStyle/>
+          <a:p>
+            <a:fld id="{BF8E8462-BA2D-465E-BD05-275D1A2EFDC9}" type="slidenum">
+              <a:rPr lang="fr-FR" smtClean="0"/>
+              <a:t>4</a:t>
+            </a:fld>
+            <a:endParaRPr lang="fr-FR"/>
+          </a:p>
+        </p:txBody>
+      </p:sp>
+      <p:pic>
+        <p:nvPicPr>
+          <p:cNvPr id="8" name="Image 7"/>
+          <p:cNvPicPr>
+            <a:picLocks noChangeAspect="1"/>
+          </p:cNvPicPr>
+          <p:nvPr/>
+        </p:nvPicPr>
+        <p:blipFill>
+          <a:blip r:embed="rId4">
+            <a:extLst>
+              <a:ext uri="{28A0092B-C50C-407E-A947-70E740481C1C}">
+                <a14:useLocalDpi xmlns:a14="http://schemas.microsoft.com/office/drawing/2010/main" val="0"/>
+              </a:ext>
+            </a:extLst>
+          </a:blip>
+          <a:stretch>
+            <a:fillRect/>
+          </a:stretch>
+        </p:blipFill>
+        <p:spPr>
+          <a:xfrm>
+            <a:off x="348923" y="5949376"/>
+            <a:ext cx="1003225" cy="650366"/>
+          </a:xfrm>
+          <a:prstGeom prst="rect">
+            <a:avLst/>
+          </a:prstGeom>
+        </p:spPr>
+      </p:pic>
+      <p:sp>
+        <p:nvSpPr>
+          <p:cNvPr id="11" name="ZoneTexte 10"/>
+          <p:cNvSpPr txBox="1"/>
+          <p:nvPr/>
+        </p:nvSpPr>
+        <p:spPr>
+          <a:xfrm>
+            <a:off x="11110649" y="6503847"/>
+            <a:ext cx="401072" cy="276999"/>
+          </a:xfrm>
+          <a:prstGeom prst="rect">
+            <a:avLst/>
+          </a:prstGeom>
+          <a:noFill/>
+        </p:spPr>
+        <p:txBody>
+          <a:bodyPr wrap="none" rtlCol="0">
+            <a:spAutoFit/>
+          </a:bodyPr>
+          <a:lstStyle/>
+          <a:p>
+            <a:r>
+              <a:rPr lang="fr-FR" sz="1200" dirty="0">
+                <a:solidFill>
+                  <a:schemeClr val="bg1"/>
+                </a:solidFill>
+              </a:rPr>
+              <a:t>/12</a:t>
+            </a:r>
+          </a:p>
+        </p:txBody>
+      </p:sp>
     </p:spTree>
     <p:extLst>
       <p:ext uri="{BB962C8B-B14F-4D97-AF65-F5344CB8AC3E}">
-        <p14:creationId xmlns:p14="http://schemas.microsoft.com/office/powerpoint/2010/main" val="1784475993"/>
+        <p14:creationId xmlns:p14="http://schemas.microsoft.com/office/powerpoint/2010/main" val="1656380465"/>
       </p:ext>
     </p:extLst>
   </p:cSld>
@@ -4846,9 +5760,47 @@
           <a:chExt cx="0" cy="0"/>
         </a:xfrm>
       </p:grpSpPr>
+      <p:sp>
+        <p:nvSpPr>
+          <p:cNvPr id="6" name="Titre 1"/>
+          <p:cNvSpPr>
+            <a:spLocks noGrp="1"/>
+          </p:cNvSpPr>
+          <p:nvPr>
+            <p:ph type="title"/>
+          </p:nvPr>
+        </p:nvSpPr>
+        <p:spPr>
+          <a:xfrm>
+            <a:off x="989900" y="234892"/>
+            <a:ext cx="10058400" cy="705514"/>
+          </a:xfrm>
+        </p:spPr>
+        <p:txBody>
+          <a:bodyPr>
+            <a:normAutofit fontScale="90000"/>
+          </a:bodyPr>
+          <a:lstStyle/>
+          <a:p>
+            <a:pPr algn="ctr"/>
+            <a:r>
+              <a:rPr lang="fr-FR" dirty="0"/>
+              <a:t>2.	</a:t>
+            </a:r>
+            <a:r>
+              <a:rPr lang="fr-FR" dirty="0" err="1"/>
+              <a:t>TermSaver</a:t>
+            </a:r>
+            <a:r>
+              <a:rPr lang="fr-FR" dirty="0"/>
+              <a:t> statique</a:t>
+            </a:r>
+          </a:p>
+        </p:txBody>
+      </p:sp>
       <p:pic>
         <p:nvPicPr>
-          <p:cNvPr id="4" name="Image 3"/>
+          <p:cNvPr id="2" name="Image 1"/>
           <p:cNvPicPr>
             <a:picLocks noChangeAspect="1"/>
           </p:cNvPicPr>
@@ -4868,8 +5820,8 @@
         </p:blipFill>
         <p:spPr>
           <a:xfrm>
-            <a:off x="11048300" y="6074882"/>
-            <a:ext cx="1003225" cy="650366"/>
+            <a:off x="2840896" y="1747778"/>
+            <a:ext cx="6606561" cy="4490976"/>
           </a:xfrm>
           <a:prstGeom prst="rect">
             <a:avLst/>
@@ -4878,45 +5830,30 @@
       </p:pic>
       <p:sp>
         <p:nvSpPr>
-          <p:cNvPr id="6" name="Titre 1"/>
-          <p:cNvSpPr>
-            <a:spLocks noGrp="1"/>
-          </p:cNvSpPr>
-          <p:nvPr>
-            <p:ph type="title"/>
-          </p:nvPr>
-        </p:nvSpPr>
-        <p:spPr>
-          <a:xfrm>
-            <a:off x="989900" y="234892"/>
-            <a:ext cx="10058400" cy="705514"/>
-          </a:xfrm>
-        </p:spPr>
-        <p:txBody>
-          <a:bodyPr>
-            <a:normAutofit fontScale="90000"/>
-          </a:bodyPr>
-          <a:lstStyle/>
-          <a:p>
-            <a:pPr algn="ctr"/>
-            <a:r>
-              <a:rPr lang="fr-FR" dirty="0"/>
-              <a:t>2.	</a:t>
-            </a:r>
-            <a:r>
-              <a:rPr lang="fr-FR" dirty="0" err="1"/>
-              <a:t>TermSaver</a:t>
-            </a:r>
-            <a:r>
-              <a:rPr lang="fr-FR" dirty="0"/>
-              <a:t> statique</a:t>
-            </a:r>
+          <p:cNvPr id="3" name="Espace réservé du numéro de diapositive 2"/>
+          <p:cNvSpPr>
+            <a:spLocks noGrp="1"/>
+          </p:cNvSpPr>
+          <p:nvPr>
+            <p:ph type="sldNum" sz="quarter" idx="12"/>
+          </p:nvPr>
+        </p:nvSpPr>
+        <p:spPr/>
+        <p:txBody>
+          <a:bodyPr/>
+          <a:lstStyle/>
+          <a:p>
+            <a:fld id="{BF8E8462-BA2D-465E-BD05-275D1A2EFDC9}" type="slidenum">
+              <a:rPr lang="fr-FR" smtClean="0"/>
+              <a:t>5</a:t>
+            </a:fld>
+            <a:endParaRPr lang="fr-FR"/>
           </a:p>
         </p:txBody>
       </p:sp>
       <p:pic>
         <p:nvPicPr>
-          <p:cNvPr id="2" name="Image 1"/>
+          <p:cNvPr id="7" name="Image 6"/>
           <p:cNvPicPr>
             <a:picLocks noChangeAspect="1"/>
           </p:cNvPicPr>
@@ -4936,6 +5873,137 @@
         </p:blipFill>
         <p:spPr>
           <a:xfrm>
+            <a:off x="348923" y="5949376"/>
+            <a:ext cx="1003225" cy="650366"/>
+          </a:xfrm>
+          <a:prstGeom prst="rect">
+            <a:avLst/>
+          </a:prstGeom>
+        </p:spPr>
+      </p:pic>
+      <p:sp>
+        <p:nvSpPr>
+          <p:cNvPr id="9" name="ZoneTexte 8"/>
+          <p:cNvSpPr txBox="1"/>
+          <p:nvPr/>
+        </p:nvSpPr>
+        <p:spPr>
+          <a:xfrm>
+            <a:off x="11110649" y="6503847"/>
+            <a:ext cx="401072" cy="276999"/>
+          </a:xfrm>
+          <a:prstGeom prst="rect">
+            <a:avLst/>
+          </a:prstGeom>
+          <a:noFill/>
+        </p:spPr>
+        <p:txBody>
+          <a:bodyPr wrap="none" rtlCol="0">
+            <a:spAutoFit/>
+          </a:bodyPr>
+          <a:lstStyle/>
+          <a:p>
+            <a:r>
+              <a:rPr lang="fr-FR" sz="1200" dirty="0">
+                <a:solidFill>
+                  <a:schemeClr val="bg1"/>
+                </a:solidFill>
+              </a:rPr>
+              <a:t>/12</a:t>
+            </a:r>
+          </a:p>
+        </p:txBody>
+      </p:sp>
+    </p:spTree>
+    <p:extLst>
+      <p:ext uri="{BB962C8B-B14F-4D97-AF65-F5344CB8AC3E}">
+        <p14:creationId xmlns:p14="http://schemas.microsoft.com/office/powerpoint/2010/main" val="1784475993"/>
+      </p:ext>
+    </p:extLst>
+  </p:cSld>
+  <p:clrMapOvr>
+    <a:masterClrMapping/>
+  </p:clrMapOvr>
+</p:sld>
+</file>
+
+<file path=ppt/slides/slide6.xml><?xml version="1.0" encoding="utf-8"?>
+<p:sld xmlns:a="http://schemas.openxmlformats.org/drawingml/2006/main" xmlns:r="http://schemas.openxmlformats.org/officeDocument/2006/relationships" xmlns:p="http://schemas.openxmlformats.org/presentationml/2006/main">
+  <p:cSld>
+    <p:spTree>
+      <p:nvGrpSpPr>
+        <p:cNvPr id="1" name=""/>
+        <p:cNvGrpSpPr/>
+        <p:nvPr/>
+      </p:nvGrpSpPr>
+      <p:grpSpPr>
+        <a:xfrm>
+          <a:off x="0" y="0"/>
+          <a:ext cx="0" cy="0"/>
+          <a:chOff x="0" y="0"/>
+          <a:chExt cx="0" cy="0"/>
+        </a:xfrm>
+      </p:grpSpPr>
+      <p:sp>
+        <p:nvSpPr>
+          <p:cNvPr id="6" name="Titre 1"/>
+          <p:cNvSpPr>
+            <a:spLocks noGrp="1"/>
+          </p:cNvSpPr>
+          <p:nvPr>
+            <p:ph type="title"/>
+          </p:nvPr>
+        </p:nvSpPr>
+        <p:spPr>
+          <a:xfrm>
+            <a:off x="989900" y="234892"/>
+            <a:ext cx="10058400" cy="705514"/>
+          </a:xfrm>
+        </p:spPr>
+        <p:txBody>
+          <a:bodyPr>
+            <a:normAutofit fontScale="90000"/>
+          </a:bodyPr>
+          <a:lstStyle/>
+          <a:p>
+            <a:pPr algn="ctr"/>
+            <a:r>
+              <a:rPr lang="fr-FR" dirty="0"/>
+              <a:t>2.	</a:t>
+            </a:r>
+            <a:r>
+              <a:rPr lang="fr-FR" dirty="0" err="1"/>
+              <a:t>TermSaver</a:t>
+            </a:r>
+            <a:r>
+              <a:rPr lang="fr-FR" dirty="0"/>
+              <a:t> statique</a:t>
+            </a:r>
+          </a:p>
+        </p:txBody>
+      </p:sp>
+      <p:pic>
+        <p:nvPicPr>
+          <p:cNvPr id="2" name="Image 1"/>
+          <p:cNvPicPr>
+            <a:picLocks noChangeAspect="1"/>
+          </p:cNvPicPr>
+          <p:nvPr/>
+        </p:nvPicPr>
+        <p:blipFill>
+          <a:blip r:embed="rId2">
+            <a:extLst>
+              <a:ext uri="{28A0092B-C50C-407E-A947-70E740481C1C}">
+                <a14:useLocalDpi xmlns:a14="http://schemas.microsoft.com/office/drawing/2010/main" val="0"/>
+              </a:ext>
+            </a:extLst>
+          </a:blip>
+          <a:stretch>
+            <a:fillRect/>
+          </a:stretch>
+        </p:blipFill>
+        <p:spPr>
+          <a:xfrm>
             <a:off x="1183340" y="1842246"/>
             <a:ext cx="8915400" cy="1689100"/>
           </a:xfrm>
@@ -4947,6 +6015,59 @@
       <p:pic>
         <p:nvPicPr>
           <p:cNvPr id="5" name="Image 4"/>
+          <p:cNvPicPr>
+            <a:picLocks noChangeAspect="1"/>
+          </p:cNvPicPr>
+          <p:nvPr/>
+        </p:nvPicPr>
+        <p:blipFill>
+          <a:blip r:embed="rId3">
+            <a:extLst>
+              <a:ext uri="{28A0092B-C50C-407E-A947-70E740481C1C}">
+                <a14:useLocalDpi xmlns:a14="http://schemas.microsoft.com/office/drawing/2010/main" val="0"/>
+              </a:ext>
+            </a:extLst>
+          </a:blip>
+          <a:stretch>
+            <a:fillRect/>
+          </a:stretch>
+        </p:blipFill>
+        <p:spPr>
+          <a:xfrm>
+            <a:off x="1183340" y="3791836"/>
+            <a:ext cx="7810500" cy="1282700"/>
+          </a:xfrm>
+          <a:prstGeom prst="rect">
+            <a:avLst/>
+          </a:prstGeom>
+        </p:spPr>
+      </p:pic>
+      <p:sp>
+        <p:nvSpPr>
+          <p:cNvPr id="3" name="Espace réservé du numéro de diapositive 2"/>
+          <p:cNvSpPr>
+            <a:spLocks noGrp="1"/>
+          </p:cNvSpPr>
+          <p:nvPr>
+            <p:ph type="sldNum" sz="quarter" idx="12"/>
+          </p:nvPr>
+        </p:nvSpPr>
+        <p:spPr/>
+        <p:txBody>
+          <a:bodyPr/>
+          <a:lstStyle/>
+          <a:p>
+            <a:fld id="{BF8E8462-BA2D-465E-BD05-275D1A2EFDC9}" type="slidenum">
+              <a:rPr lang="fr-FR" smtClean="0"/>
+              <a:t>6</a:t>
+            </a:fld>
+            <a:endParaRPr lang="fr-FR"/>
+          </a:p>
+        </p:txBody>
+      </p:sp>
+      <p:pic>
+        <p:nvPicPr>
+          <p:cNvPr id="7" name="Image 6"/>
           <p:cNvPicPr>
             <a:picLocks noChangeAspect="1"/>
           </p:cNvPicPr>
@@ -4966,14 +6087,77 @@
         </p:blipFill>
         <p:spPr>
           <a:xfrm>
-            <a:off x="1183340" y="3791836"/>
-            <a:ext cx="7810500" cy="1282700"/>
+            <a:off x="348923" y="5949376"/>
+            <a:ext cx="1003225" cy="650366"/>
           </a:xfrm>
           <a:prstGeom prst="rect">
             <a:avLst/>
           </a:prstGeom>
         </p:spPr>
       </p:pic>
+      <p:pic>
+        <p:nvPicPr>
+          <p:cNvPr id="9" name="Image 8"/>
+          <p:cNvPicPr>
+            <a:picLocks noChangeAspect="1"/>
+          </p:cNvPicPr>
+          <p:nvPr/>
+        </p:nvPicPr>
+        <p:blipFill>
+          <a:blip r:embed="rId5">
+            <a:extLst>
+              <a:ext uri="{28A0092B-C50C-407E-A947-70E740481C1C}">
+                <a14:useLocalDpi xmlns:a14="http://schemas.microsoft.com/office/drawing/2010/main" val="0"/>
+              </a:ext>
+            </a:extLst>
+          </a:blip>
+          <a:stretch>
+            <a:fillRect/>
+          </a:stretch>
+        </p:blipFill>
+        <p:spPr>
+          <a:xfrm>
+            <a:off x="10422996" y="2547651"/>
+            <a:ext cx="983065" cy="2712955"/>
+          </a:xfrm>
+          <a:prstGeom prst="rect">
+            <a:avLst/>
+          </a:prstGeom>
+        </p:spPr>
+      </p:pic>
+      <p:sp>
+        <p:nvSpPr>
+          <p:cNvPr id="10" name="ZoneTexte 9"/>
+          <p:cNvSpPr txBox="1"/>
+          <p:nvPr/>
+        </p:nvSpPr>
+        <p:spPr>
+          <a:xfrm>
+            <a:off x="11110649" y="6503847"/>
+            <a:ext cx="401072" cy="276999"/>
+          </a:xfrm>
+          <a:prstGeom prst="rect">
+            <a:avLst/>
+          </a:prstGeom>
+          <a:noFill/>
+        </p:spPr>
+        <p:txBody>
+          <a:bodyPr wrap="none" rtlCol="0">
+            <a:spAutoFit/>
+          </a:bodyPr>
+          <a:lstStyle/>
+          <a:p>
+            <a:r>
+              <a:rPr lang="fr-FR" sz="1200" dirty="0">
+                <a:solidFill>
+                  <a:schemeClr val="bg1"/>
+                </a:solidFill>
+              </a:rPr>
+              <a:t>/12</a:t>
+            </a:r>
+          </a:p>
+        </p:txBody>
+      </p:sp>
     </p:spTree>
     <p:extLst>
       <p:ext uri="{BB962C8B-B14F-4D97-AF65-F5344CB8AC3E}">
@@ -4987,7 +6171,7 @@
 </p:sld>
 </file>
 
-<file path=ppt/slides/slide6.xml><?xml version="1.0" encoding="utf-8"?>
+<file path=ppt/slides/slide7.xml><?xml version="1.0" encoding="utf-8"?>
 <p:sld xmlns:a="http://schemas.openxmlformats.org/drawingml/2006/main" xmlns:r="http://schemas.openxmlformats.org/officeDocument/2006/relationships" xmlns:p="http://schemas.openxmlformats.org/presentationml/2006/main">
   <p:cSld>
     <p:spTree>
@@ -5026,7 +6210,7 @@
         </p:blipFill>
         <p:spPr>
           <a:xfrm>
-            <a:off x="11048300" y="6074882"/>
+            <a:off x="348923" y="5949376"/>
             <a:ext cx="1003225" cy="650366"/>
           </a:xfrm>
           <a:prstGeom prst="rect">
@@ -5101,218 +6285,66 @@
           </a:xfrm>
         </p:spPr>
       </p:pic>
+      <p:sp>
+        <p:nvSpPr>
+          <p:cNvPr id="2" name="Espace réservé du numéro de diapositive 1"/>
+          <p:cNvSpPr>
+            <a:spLocks noGrp="1"/>
+          </p:cNvSpPr>
+          <p:nvPr>
+            <p:ph type="sldNum" sz="quarter" idx="12"/>
+          </p:nvPr>
+        </p:nvSpPr>
+        <p:spPr/>
+        <p:txBody>
+          <a:bodyPr/>
+          <a:lstStyle/>
+          <a:p>
+            <a:fld id="{BF8E8462-BA2D-465E-BD05-275D1A2EFDC9}" type="slidenum">
+              <a:rPr lang="fr-FR" smtClean="0"/>
+              <a:t>7</a:t>
+            </a:fld>
+            <a:endParaRPr lang="fr-FR"/>
+          </a:p>
+        </p:txBody>
+      </p:sp>
+      <p:sp>
+        <p:nvSpPr>
+          <p:cNvPr id="9" name="ZoneTexte 8"/>
+          <p:cNvSpPr txBox="1"/>
+          <p:nvPr/>
+        </p:nvSpPr>
+        <p:spPr>
+          <a:xfrm>
+            <a:off x="11110649" y="6503847"/>
+            <a:ext cx="401072" cy="276999"/>
+          </a:xfrm>
+          <a:prstGeom prst="rect">
+            <a:avLst/>
+          </a:prstGeom>
+          <a:noFill/>
+        </p:spPr>
+        <p:txBody>
+          <a:bodyPr wrap="none" rtlCol="0">
+            <a:spAutoFit/>
+          </a:bodyPr>
+          <a:lstStyle/>
+          <a:p>
+            <a:r>
+              <a:rPr lang="fr-FR" sz="1200" dirty="0">
+                <a:solidFill>
+                  <a:schemeClr val="bg1"/>
+                </a:solidFill>
+              </a:rPr>
+              <a:t>/12</a:t>
+            </a:r>
+          </a:p>
+        </p:txBody>
+      </p:sp>
     </p:spTree>
     <p:extLst>
       <p:ext uri="{BB962C8B-B14F-4D97-AF65-F5344CB8AC3E}">
         <p14:creationId xmlns:p14="http://schemas.microsoft.com/office/powerpoint/2010/main" val="3012890556"/>
-      </p:ext>
-    </p:extLst>
-  </p:cSld>
-  <p:clrMapOvr>
-    <a:masterClrMapping/>
-  </p:clrMapOvr>
-</p:sld>
-</file>
-
-<file path=ppt/slides/slide7.xml><?xml version="1.0" encoding="utf-8"?>
-<p:sld xmlns:a="http://schemas.openxmlformats.org/drawingml/2006/main" xmlns:r="http://schemas.openxmlformats.org/officeDocument/2006/relationships" xmlns:p="http://schemas.openxmlformats.org/presentationml/2006/main">
-  <p:cSld>
-    <p:spTree>
-      <p:nvGrpSpPr>
-        <p:cNvPr id="1" name=""/>
-        <p:cNvGrpSpPr/>
-        <p:nvPr/>
-      </p:nvGrpSpPr>
-      <p:grpSpPr>
-        <a:xfrm>
-          <a:off x="0" y="0"/>
-          <a:ext cx="0" cy="0"/>
-          <a:chOff x="0" y="0"/>
-          <a:chExt cx="0" cy="0"/>
-        </a:xfrm>
-      </p:grpSpPr>
-      <p:sp>
-        <p:nvSpPr>
-          <p:cNvPr id="2" name="Titre 1"/>
-          <p:cNvSpPr>
-            <a:spLocks noGrp="1"/>
-          </p:cNvSpPr>
-          <p:nvPr>
-            <p:ph type="title"/>
-          </p:nvPr>
-        </p:nvSpPr>
-        <p:spPr>
-          <a:xfrm>
-            <a:off x="1097280" y="209725"/>
-            <a:ext cx="10058400" cy="688737"/>
-          </a:xfrm>
-        </p:spPr>
-        <p:txBody>
-          <a:bodyPr>
-            <a:normAutofit fontScale="90000"/>
-          </a:bodyPr>
-          <a:lstStyle/>
-          <a:p>
-            <a:pPr algn="ctr"/>
-            <a:r>
-              <a:rPr lang="fr-FR" dirty="0"/>
-              <a:t>3.	</a:t>
-            </a:r>
-            <a:r>
-              <a:rPr lang="fr-FR" dirty="0" err="1"/>
-              <a:t>TermSaver</a:t>
-            </a:r>
-            <a:r>
-              <a:rPr lang="fr-FR" dirty="0"/>
-              <a:t> dynamique</a:t>
-            </a:r>
-          </a:p>
-        </p:txBody>
-      </p:sp>
-      <p:sp>
-        <p:nvSpPr>
-          <p:cNvPr id="3" name="Espace réservé du contenu 2"/>
-          <p:cNvSpPr>
-            <a:spLocks noGrp="1"/>
-          </p:cNvSpPr>
-          <p:nvPr>
-            <p:ph idx="1"/>
-          </p:nvPr>
-        </p:nvSpPr>
-        <p:spPr>
-          <a:xfrm>
-            <a:off x="1097280" y="1870901"/>
-            <a:ext cx="10058400" cy="4023360"/>
-          </a:xfrm>
-        </p:spPr>
-        <p:txBody>
-          <a:bodyPr>
-            <a:normAutofit lnSpcReduction="10000"/>
-          </a:bodyPr>
-          <a:lstStyle/>
-          <a:p>
-            <a:r>
-              <a:rPr lang="fr-FR" dirty="0"/>
-              <a:t>- inclusion &lt;</a:t>
-            </a:r>
-            <a:r>
-              <a:rPr lang="fr-FR" dirty="0" err="1"/>
-              <a:t>time.h</a:t>
-            </a:r>
-            <a:r>
-              <a:rPr lang="fr-FR" dirty="0"/>
-              <a:t>&gt; pour récupérer l’heure </a:t>
-            </a:r>
-          </a:p>
-          <a:p>
-            <a:r>
-              <a:rPr lang="fr-FR" dirty="0"/>
-              <a:t>- heure stockée dans une structure </a:t>
-            </a:r>
-            <a:r>
-              <a:rPr lang="fr-FR" dirty="0" err="1"/>
-              <a:t>tm</a:t>
-            </a:r>
-            <a:r>
-              <a:rPr lang="fr-FR" dirty="0"/>
-              <a:t> (instant dans notre cas)</a:t>
-            </a:r>
-          </a:p>
-          <a:p>
-            <a:r>
-              <a:rPr lang="fr-FR" dirty="0"/>
-              <a:t>- création d’une variable secondes (qui contiendra le nombre de secondes écoulées depuis 1</a:t>
-            </a:r>
-            <a:r>
-              <a:rPr lang="fr-FR" baseline="30000" dirty="0"/>
-              <a:t>er</a:t>
-            </a:r>
-            <a:r>
-              <a:rPr lang="fr-FR" dirty="0"/>
-              <a:t> </a:t>
-            </a:r>
-            <a:r>
-              <a:rPr lang="fr-FR" dirty="0" err="1"/>
-              <a:t>janv</a:t>
-            </a:r>
-            <a:r>
-              <a:rPr lang="fr-FR" dirty="0"/>
-              <a:t> 1970) et conversion en heure lisible avec </a:t>
-            </a:r>
-            <a:r>
-              <a:rPr lang="fr-FR" dirty="0" err="1"/>
-              <a:t>localtime</a:t>
-            </a:r>
-            <a:r>
-              <a:rPr lang="fr-FR" dirty="0"/>
-              <a:t>() puis stockage dans structure </a:t>
-            </a:r>
-            <a:r>
-              <a:rPr lang="fr-FR" dirty="0" err="1"/>
-              <a:t>tm</a:t>
-            </a:r>
-            <a:endParaRPr lang="fr-FR" dirty="0"/>
-          </a:p>
-          <a:p>
-            <a:endParaRPr lang="fr-FR" dirty="0"/>
-          </a:p>
-          <a:p>
-            <a:endParaRPr lang="fr-FR" dirty="0"/>
-          </a:p>
-          <a:p>
-            <a:r>
-              <a:rPr lang="fr-FR" dirty="0"/>
-              <a:t>- Impossibilité affichage image PBM les unes à côté des autres --&gt; utilisation tableaux à deux dimensions</a:t>
-            </a:r>
-          </a:p>
-          <a:p>
-            <a:r>
-              <a:rPr lang="fr-FR" dirty="0"/>
-              <a:t>colonnes = les caractères présents dans images PBM </a:t>
-            </a:r>
-          </a:p>
-          <a:p>
-            <a:r>
-              <a:rPr lang="fr-FR" dirty="0"/>
-              <a:t>lignes = aux différents chiffres </a:t>
-            </a:r>
-          </a:p>
-        </p:txBody>
-      </p:sp>
-      <p:pic>
-        <p:nvPicPr>
-          <p:cNvPr id="6" name="Image 5"/>
-          <p:cNvPicPr>
-            <a:picLocks noChangeAspect="1"/>
-          </p:cNvPicPr>
-          <p:nvPr/>
-        </p:nvPicPr>
-        <p:blipFill>
-          <a:blip r:embed="rId2">
-            <a:extLst>
-              <a:ext uri="{28A0092B-C50C-407E-A947-70E740481C1C}">
-                <a14:useLocalDpi xmlns:a14="http://schemas.microsoft.com/office/drawing/2010/main" val="0"/>
-              </a:ext>
-            </a:extLst>
-          </a:blip>
-          <a:stretch>
-            <a:fillRect/>
-          </a:stretch>
-        </p:blipFill>
-        <p:spPr>
-          <a:xfrm>
-            <a:off x="1175816" y="3294505"/>
-            <a:ext cx="2314898" cy="857370"/>
-          </a:xfrm>
-          <a:prstGeom prst="rect">
-            <a:avLst/>
-          </a:prstGeom>
-        </p:spPr>
-      </p:pic>
-    </p:spTree>
-    <p:extLst>
-      <p:ext uri="{BB962C8B-B14F-4D97-AF65-F5344CB8AC3E}">
-        <p14:creationId xmlns:p14="http://schemas.microsoft.com/office/powerpoint/2010/main" val="2559230739"/>
       </p:ext>
     </p:extLst>
   </p:cSld>
@@ -5339,9 +6371,155 @@
           <a:chExt cx="0" cy="0"/>
         </a:xfrm>
       </p:grpSpPr>
+      <p:sp>
+        <p:nvSpPr>
+          <p:cNvPr id="2" name="Titre 1"/>
+          <p:cNvSpPr>
+            <a:spLocks noGrp="1"/>
+          </p:cNvSpPr>
+          <p:nvPr>
+            <p:ph type="title"/>
+          </p:nvPr>
+        </p:nvSpPr>
+        <p:spPr>
+          <a:xfrm>
+            <a:off x="1097280" y="209725"/>
+            <a:ext cx="10058400" cy="688737"/>
+          </a:xfrm>
+        </p:spPr>
+        <p:txBody>
+          <a:bodyPr>
+            <a:normAutofit fontScale="90000"/>
+          </a:bodyPr>
+          <a:lstStyle/>
+          <a:p>
+            <a:pPr algn="ctr"/>
+            <a:r>
+              <a:rPr lang="fr-FR" dirty="0"/>
+              <a:t>3.	</a:t>
+            </a:r>
+            <a:r>
+              <a:rPr lang="fr-FR" dirty="0" err="1"/>
+              <a:t>TermSaver</a:t>
+            </a:r>
+            <a:r>
+              <a:rPr lang="fr-FR" dirty="0"/>
+              <a:t> dynamique</a:t>
+            </a:r>
+          </a:p>
+        </p:txBody>
+      </p:sp>
+      <p:sp>
+        <p:nvSpPr>
+          <p:cNvPr id="3" name="Espace réservé du contenu 2"/>
+          <p:cNvSpPr>
+            <a:spLocks noGrp="1"/>
+          </p:cNvSpPr>
+          <p:nvPr>
+            <p:ph idx="1"/>
+          </p:nvPr>
+        </p:nvSpPr>
+        <p:spPr>
+          <a:xfrm>
+            <a:off x="1097280" y="1870901"/>
+            <a:ext cx="10058400" cy="4023360"/>
+          </a:xfrm>
+        </p:spPr>
+        <p:txBody>
+          <a:bodyPr>
+            <a:normAutofit/>
+          </a:bodyPr>
+          <a:lstStyle/>
+          <a:p>
+            <a:pPr lvl="1"/>
+            <a:endParaRPr lang="fr-FR" dirty="0"/>
+          </a:p>
+          <a:p>
+            <a:pPr lvl="1"/>
+            <a:endParaRPr lang="fr-FR" dirty="0"/>
+          </a:p>
+          <a:p>
+            <a:pPr lvl="1"/>
+            <a:endParaRPr lang="fr-FR" dirty="0"/>
+          </a:p>
+          <a:p>
+            <a:pPr lvl="1"/>
+            <a:r>
+              <a:rPr lang="fr-FR" dirty="0"/>
+              <a:t>&lt;</a:t>
+            </a:r>
+            <a:r>
+              <a:rPr lang="fr-FR" dirty="0" err="1"/>
+              <a:t>time.h</a:t>
+            </a:r>
+            <a:r>
+              <a:rPr lang="fr-FR" dirty="0"/>
+              <a:t>&gt;</a:t>
+            </a:r>
+          </a:p>
+          <a:p>
+            <a:pPr marL="201168" lvl="1" indent="0">
+              <a:buNone/>
+            </a:pPr>
+            <a:endParaRPr lang="fr-FR" dirty="0"/>
+          </a:p>
+          <a:p>
+            <a:pPr lvl="1"/>
+            <a:r>
+              <a:rPr lang="fr-FR" dirty="0"/>
+              <a:t>Découpage de l’heure</a:t>
+            </a:r>
+          </a:p>
+          <a:p>
+            <a:pPr lvl="1"/>
+            <a:endParaRPr lang="fr-FR" dirty="0"/>
+          </a:p>
+          <a:p>
+            <a:pPr lvl="1"/>
+            <a:r>
+              <a:rPr lang="fr-FR" dirty="0"/>
+              <a:t>Insertion de l’heure dans un tableau</a:t>
+            </a:r>
+          </a:p>
+          <a:p>
+            <a:pPr lvl="1"/>
+            <a:endParaRPr lang="fr-FR" dirty="0"/>
+          </a:p>
+          <a:p>
+            <a:pPr lvl="1"/>
+            <a:r>
+              <a:rPr lang="fr-FR" dirty="0"/>
+              <a:t>Affichage de l’heure</a:t>
+            </a:r>
+          </a:p>
+        </p:txBody>
+      </p:sp>
+      <p:sp>
+        <p:nvSpPr>
+          <p:cNvPr id="4" name="Espace réservé du numéro de diapositive 3"/>
+          <p:cNvSpPr>
+            <a:spLocks noGrp="1"/>
+          </p:cNvSpPr>
+          <p:nvPr>
+            <p:ph type="sldNum" sz="quarter" idx="12"/>
+          </p:nvPr>
+        </p:nvSpPr>
+        <p:spPr/>
+        <p:txBody>
+          <a:bodyPr/>
+          <a:lstStyle/>
+          <a:p>
+            <a:fld id="{BF8E8462-BA2D-465E-BD05-275D1A2EFDC9}" type="slidenum">
+              <a:rPr lang="fr-FR" smtClean="0"/>
+              <a:t>8</a:t>
+            </a:fld>
+            <a:endParaRPr lang="fr-FR"/>
+          </a:p>
+        </p:txBody>
+      </p:sp>
       <p:pic>
         <p:nvPicPr>
-          <p:cNvPr id="5" name="Image 4"/>
+          <p:cNvPr id="7" name="Image 6"/>
           <p:cNvPicPr>
             <a:picLocks noChangeAspect="1"/>
           </p:cNvPicPr>
@@ -5361,7 +6539,7 @@
         </p:blipFill>
         <p:spPr>
           <a:xfrm>
-            <a:off x="11048300" y="6074882"/>
+            <a:off x="348923" y="5949376"/>
             <a:ext cx="1003225" cy="650366"/>
           </a:xfrm>
           <a:prstGeom prst="rect">
@@ -5369,69 +6547,73 @@
           </a:prstGeom>
         </p:spPr>
       </p:pic>
-      <p:sp>
-        <p:nvSpPr>
-          <p:cNvPr id="7" name="Titre 1"/>
-          <p:cNvSpPr>
-            <a:spLocks noGrp="1"/>
-          </p:cNvSpPr>
-          <p:nvPr>
-            <p:ph type="title"/>
-          </p:nvPr>
-        </p:nvSpPr>
-        <p:spPr>
-          <a:xfrm>
-            <a:off x="989900" y="234892"/>
-            <a:ext cx="10058400" cy="705514"/>
-          </a:xfrm>
-        </p:spPr>
-        <p:txBody>
-          <a:bodyPr>
-            <a:normAutofit fontScale="90000"/>
+      <p:pic>
+        <p:nvPicPr>
+          <p:cNvPr id="5" name="Image 4"/>
+          <p:cNvPicPr>
+            <a:picLocks noChangeAspect="1"/>
+          </p:cNvPicPr>
+          <p:nvPr/>
+        </p:nvPicPr>
+        <p:blipFill>
+          <a:blip r:embed="rId3">
+            <a:extLst>
+              <a:ext uri="{28A0092B-C50C-407E-A947-70E740481C1C}">
+                <a14:useLocalDpi xmlns:a14="http://schemas.microsoft.com/office/drawing/2010/main" val="0"/>
+              </a:ext>
+            </a:extLst>
+          </a:blip>
+          <a:stretch>
+            <a:fillRect/>
+          </a:stretch>
+        </p:blipFill>
+        <p:spPr>
+          <a:xfrm>
+            <a:off x="7983806" y="1870900"/>
+            <a:ext cx="1469757" cy="3539415"/>
+          </a:xfrm>
+          <a:prstGeom prst="rect">
+            <a:avLst/>
+          </a:prstGeom>
+        </p:spPr>
+      </p:pic>
+      <p:sp>
+        <p:nvSpPr>
+          <p:cNvPr id="10" name="ZoneTexte 9"/>
+          <p:cNvSpPr txBox="1"/>
+          <p:nvPr/>
+        </p:nvSpPr>
+        <p:spPr>
+          <a:xfrm>
+            <a:off x="11110649" y="6503847"/>
+            <a:ext cx="401072" cy="276999"/>
+          </a:xfrm>
+          <a:prstGeom prst="rect">
+            <a:avLst/>
+          </a:prstGeom>
+          <a:noFill/>
+        </p:spPr>
+        <p:txBody>
+          <a:bodyPr wrap="none" rtlCol="0">
+            <a:spAutoFit/>
           </a:bodyPr>
           <a:lstStyle/>
           <a:p>
-            <a:pPr algn="ctr"/>
-            <a:r>
-              <a:rPr lang="fr-FR" dirty="0"/>
-              <a:t>4.	Présentation d’</a:t>
-            </a:r>
-            <a:r>
-              <a:rPr lang="fr-FR" dirty="0" err="1"/>
-              <a:t>eXiaSaver</a:t>
-            </a:r>
-            <a:endParaRPr lang="fr-FR" dirty="0"/>
-          </a:p>
-        </p:txBody>
-      </p:sp>
-      <p:sp>
-        <p:nvSpPr>
-          <p:cNvPr id="3" name="Espace réservé du contenu 2"/>
-          <p:cNvSpPr>
-            <a:spLocks noGrp="1"/>
-          </p:cNvSpPr>
-          <p:nvPr>
-            <p:ph idx="1"/>
-          </p:nvPr>
-        </p:nvSpPr>
-        <p:spPr>
-          <a:xfrm>
-            <a:off x="1156768" y="1836611"/>
-            <a:ext cx="10058400" cy="4023360"/>
-          </a:xfrm>
-        </p:spPr>
-        <p:txBody>
-          <a:bodyPr/>
-          <a:lstStyle/>
-          <a:p>
-            <a:endParaRPr lang="fr-FR" dirty="0"/>
+            <a:r>
+              <a:rPr lang="fr-FR" sz="1200" dirty="0">
+                <a:solidFill>
+                  <a:schemeClr val="bg1"/>
+                </a:solidFill>
+              </a:rPr>
+              <a:t>/12</a:t>
+            </a:r>
           </a:p>
         </p:txBody>
       </p:sp>
     </p:spTree>
     <p:extLst>
       <p:ext uri="{BB962C8B-B14F-4D97-AF65-F5344CB8AC3E}">
-        <p14:creationId xmlns:p14="http://schemas.microsoft.com/office/powerpoint/2010/main" val="3991341235"/>
+        <p14:creationId xmlns:p14="http://schemas.microsoft.com/office/powerpoint/2010/main" val="2559230739"/>
       </p:ext>
     </p:extLst>
   </p:cSld>
@@ -5460,139 +6642,60 @@
       </p:grpSpPr>
       <p:sp>
         <p:nvSpPr>
-          <p:cNvPr id="3" name="Espace réservé du contenu 2"/>
-          <p:cNvSpPr>
-            <a:spLocks noGrp="1"/>
-          </p:cNvSpPr>
-          <p:nvPr>
-            <p:ph idx="1"/>
-          </p:nvPr>
-        </p:nvSpPr>
-        <p:spPr>
-          <a:xfrm>
-            <a:off x="1075763" y="2120153"/>
-            <a:ext cx="10192871" cy="3653117"/>
-          </a:xfrm>
-        </p:spPr>
-        <p:txBody>
-          <a:bodyPr>
-            <a:normAutofit lnSpcReduction="10000"/>
-          </a:bodyPr>
-          <a:lstStyle/>
-          <a:p>
-            <a:pPr>
-              <a:lnSpc>
-                <a:spcPct val="50000"/>
-              </a:lnSpc>
-              <a:buFont typeface="Wingdings" panose="05000000000000000000" pitchFamily="2" charset="2"/>
-              <a:buChar char="Ø"/>
-            </a:pPr>
-            <a:r>
-              <a:rPr lang="fr-FR" sz="2800" dirty="0"/>
-              <a:t> Difficultés à afficher horizontalement l’heure</a:t>
-            </a:r>
-          </a:p>
-          <a:p>
-            <a:pPr marL="0" indent="0">
-              <a:lnSpc>
-                <a:spcPct val="50000"/>
-              </a:lnSpc>
-              <a:buNone/>
-            </a:pPr>
-            <a:endParaRPr lang="fr-FR" sz="2800" dirty="0"/>
-          </a:p>
-          <a:p>
-            <a:pPr>
-              <a:lnSpc>
-                <a:spcPct val="50000"/>
-              </a:lnSpc>
-              <a:buFont typeface="Wingdings" panose="05000000000000000000" pitchFamily="2" charset="2"/>
-              <a:buChar char="Ø"/>
-            </a:pPr>
-            <a:r>
-              <a:rPr lang="fr-FR" sz="2800" dirty="0"/>
-              <a:t> Améliore beaucoup les connaissance en C (tableau à deux </a:t>
-            </a:r>
-          </a:p>
-          <a:p>
-            <a:pPr marL="0" indent="0">
-              <a:lnSpc>
-                <a:spcPct val="50000"/>
-              </a:lnSpc>
-              <a:buNone/>
-            </a:pPr>
-            <a:r>
-              <a:rPr lang="fr-FR" sz="2800" dirty="0"/>
-              <a:t>dimensions)</a:t>
-            </a:r>
-          </a:p>
-          <a:p>
-            <a:pPr marL="0" indent="0">
-              <a:lnSpc>
-                <a:spcPct val="50000"/>
-              </a:lnSpc>
-              <a:buNone/>
-            </a:pPr>
-            <a:endParaRPr lang="fr-FR" sz="2800" dirty="0"/>
-          </a:p>
-          <a:p>
-            <a:pPr>
-              <a:lnSpc>
-                <a:spcPct val="50000"/>
-              </a:lnSpc>
-              <a:buFont typeface="Wingdings" panose="05000000000000000000" pitchFamily="2" charset="2"/>
-              <a:buChar char="Ø"/>
-            </a:pPr>
-            <a:r>
-              <a:rPr lang="fr-FR" sz="2800" dirty="0"/>
-              <a:t> Bon esprit d’équipe</a:t>
-            </a:r>
-          </a:p>
-          <a:p>
-            <a:pPr>
-              <a:lnSpc>
-                <a:spcPct val="50000"/>
-              </a:lnSpc>
-              <a:buFont typeface="Wingdings" panose="05000000000000000000" pitchFamily="2" charset="2"/>
-              <a:buChar char="Ø"/>
-            </a:pPr>
-            <a:endParaRPr lang="fr-FR" sz="2800" dirty="0"/>
-          </a:p>
-          <a:p>
-            <a:pPr>
-              <a:lnSpc>
-                <a:spcPct val="50000"/>
-              </a:lnSpc>
-              <a:buFont typeface="Wingdings" panose="05000000000000000000" pitchFamily="2" charset="2"/>
-              <a:buChar char="Ø"/>
-            </a:pPr>
-            <a:r>
-              <a:rPr lang="fr-FR" sz="2800" dirty="0"/>
-              <a:t>Difficulté à centrer l’image PBM</a:t>
-            </a:r>
-          </a:p>
-          <a:p>
-            <a:pPr>
-              <a:lnSpc>
-                <a:spcPct val="50000"/>
-              </a:lnSpc>
-              <a:buFont typeface="Wingdings" panose="05000000000000000000" pitchFamily="2" charset="2"/>
-              <a:buChar char="Ø"/>
-            </a:pPr>
-            <a:endParaRPr lang="fr-FR" sz="2800" dirty="0"/>
-          </a:p>
-          <a:p>
-            <a:pPr>
-              <a:lnSpc>
-                <a:spcPct val="50000"/>
-              </a:lnSpc>
-              <a:buFont typeface="Wingdings" panose="05000000000000000000" pitchFamily="2" charset="2"/>
-              <a:buChar char="Ø"/>
-            </a:pPr>
-            <a:r>
-              <a:rPr lang="fr-FR" sz="2800" dirty="0"/>
-              <a:t>Améliore l’utilisation de Linux</a:t>
-            </a:r>
+          <p:cNvPr id="2" name="Titre 1"/>
+          <p:cNvSpPr>
+            <a:spLocks noGrp="1"/>
+          </p:cNvSpPr>
+          <p:nvPr>
+            <p:ph type="title"/>
+          </p:nvPr>
+        </p:nvSpPr>
+        <p:spPr>
+          <a:xfrm>
+            <a:off x="1581374" y="2944639"/>
+            <a:ext cx="10058400" cy="1450757"/>
+          </a:xfrm>
+        </p:spPr>
+        <p:txBody>
+          <a:bodyPr/>
+          <a:lstStyle/>
+          <a:p>
+            <a:pPr algn="ctr"/>
+            <a:br>
+              <a:rPr lang="fr-FR" dirty="0"/>
+            </a:br>
+            <a:r>
+              <a:rPr lang="fr-FR" dirty="0"/>
+              <a:t>4.	Démonstration d’</a:t>
+            </a:r>
+            <a:r>
+              <a:rPr lang="fr-FR" dirty="0" err="1"/>
+              <a:t>eXiaSaver</a:t>
+            </a:r>
+            <a:endParaRPr lang="fr-FR" dirty="0"/>
+          </a:p>
+        </p:txBody>
+      </p:sp>
+      <p:sp>
+        <p:nvSpPr>
+          <p:cNvPr id="4" name="Espace réservé du numéro de diapositive 3"/>
+          <p:cNvSpPr>
+            <a:spLocks noGrp="1"/>
+          </p:cNvSpPr>
+          <p:nvPr>
+            <p:ph type="sldNum" sz="quarter" idx="12"/>
+          </p:nvPr>
+        </p:nvSpPr>
+        <p:spPr/>
+        <p:txBody>
+          <a:bodyPr/>
+          <a:lstStyle/>
+          <a:p>
+            <a:fld id="{BF8E8462-BA2D-465E-BD05-275D1A2EFDC9}" type="slidenum">
+              <a:rPr lang="fr-FR" smtClean="0"/>
+              <a:t>9</a:t>
+            </a:fld>
+            <a:endParaRPr lang="fr-FR"/>
           </a:p>
         </p:txBody>
       </p:sp>
@@ -5618,7 +6721,7 @@
         </p:blipFill>
         <p:spPr>
           <a:xfrm>
-            <a:off x="11048300" y="6063667"/>
+            <a:off x="348923" y="5949376"/>
             <a:ext cx="1003225" cy="650366"/>
           </a:xfrm>
           <a:prstGeom prst="rect">
@@ -5628,30 +6731,33 @@
       </p:pic>
       <p:sp>
         <p:nvSpPr>
-          <p:cNvPr id="7" name="Titre 1"/>
-          <p:cNvSpPr>
-            <a:spLocks noGrp="1"/>
-          </p:cNvSpPr>
-          <p:nvPr>
-            <p:ph type="title"/>
-          </p:nvPr>
-        </p:nvSpPr>
-        <p:spPr>
-          <a:xfrm>
-            <a:off x="989900" y="234892"/>
-            <a:ext cx="10058400" cy="705514"/>
-          </a:xfrm>
-        </p:spPr>
-        <p:txBody>
-          <a:bodyPr>
-            <a:normAutofit fontScale="90000"/>
+          <p:cNvPr id="8" name="ZoneTexte 7"/>
+          <p:cNvSpPr txBox="1"/>
+          <p:nvPr/>
+        </p:nvSpPr>
+        <p:spPr>
+          <a:xfrm>
+            <a:off x="11110649" y="6503847"/>
+            <a:ext cx="401072" cy="276999"/>
+          </a:xfrm>
+          <a:prstGeom prst="rect">
+            <a:avLst/>
+          </a:prstGeom>
+          <a:noFill/>
+        </p:spPr>
+        <p:txBody>
+          <a:bodyPr wrap="none" rtlCol="0">
+            <a:spAutoFit/>
           </a:bodyPr>
           <a:lstStyle/>
           <a:p>
-            <a:pPr algn="ctr"/>
-            <a:r>
-              <a:rPr lang="fr-FR" dirty="0"/>
-              <a:t>5.	Bilan</a:t>
+            <a:r>
+              <a:rPr lang="fr-FR" sz="1200" dirty="0">
+                <a:solidFill>
+                  <a:schemeClr val="bg1"/>
+                </a:solidFill>
+              </a:rPr>
+              <a:t>/12</a:t>
             </a:r>
           </a:p>
         </p:txBody>
@@ -5659,7 +6765,7 @@
     </p:spTree>
     <p:extLst>
       <p:ext uri="{BB962C8B-B14F-4D97-AF65-F5344CB8AC3E}">
-        <p14:creationId xmlns:p14="http://schemas.microsoft.com/office/powerpoint/2010/main" val="3138265177"/>
+        <p14:creationId xmlns:p14="http://schemas.microsoft.com/office/powerpoint/2010/main" val="1709138926"/>
       </p:ext>
     </p:extLst>
   </p:cSld>
